--- a/Lectures/MACsLite.pptx
+++ b/Lectures/MACsLite.pptx
@@ -8986,8 +8986,8 @@
           </a:p>
         </p:txBody>
       </p:sp>
-      <mc:AlternateContent xmlns:mc="http://schemas.openxmlformats.org/markup-compatibility/2006" xmlns:a14="http://schemas.microsoft.com/office/drawing/2010/main">
-        <mc:Choice Requires="a14">
+      <mc:AlternateContent xmlns:mc="http://schemas.openxmlformats.org/markup-compatibility/2006">
+        <mc:Choice xmlns:a14="http://schemas.microsoft.com/office/drawing/2010/main" Requires="a14">
           <p:sp>
             <p:nvSpPr>
               <p:cNvPr id="3" name="Объект 2"/>
@@ -9030,8 +9030,16 @@
                   <a:t> </a:t>
                 </a:r>
                 <a:r>
+                  <a:rPr lang="ru-RU" smtClean="0"/>
+                  <a:t>итеративную </a:t>
+                </a:r>
+                <a:r>
+                  <a:rPr lang="ru-RU" smtClean="0"/>
+                  <a:t>хэш-функцию. </a:t>
+                </a:r>
+                <a:r>
                   <a:rPr lang="ru-RU" dirty="0" smtClean="0"/>
-                  <a:t>итеративную хэш-функцию хэш-функцию. Получим</a:t>
+                  <a:t>Получим</a:t>
                 </a:r>
                 <a:r>
                   <a:rPr lang="en-US" dirty="0" smtClean="0"/>
@@ -9042,7 +9050,7 @@
             </p:txBody>
           </p:sp>
         </mc:Choice>
-        <mc:Fallback xmlns="">
+        <mc:Fallback>
           <p:sp>
             <p:nvSpPr>
               <p:cNvPr id="3" name="Объект 2"/>
@@ -9054,7 +9062,7 @@
               </p:nvPr>
             </p:nvSpPr>
             <p:spPr>
-              <a:blipFill rotWithShape="0">
+              <a:blipFill>
                 <a:blip r:embed="rId2"/>
                 <a:stretch>
                   <a:fillRect l="-928" t="-2101"/>
@@ -9503,8 +9511,8 @@
           </a:p>
         </p:txBody>
       </p:sp>
-      <mc:AlternateContent xmlns:mc="http://schemas.openxmlformats.org/markup-compatibility/2006">
-        <mc:Choice xmlns:a14="http://schemas.microsoft.com/office/drawing/2010/main" Requires="a14">
+      <mc:AlternateContent xmlns:mc="http://schemas.openxmlformats.org/markup-compatibility/2006" xmlns:a14="http://schemas.microsoft.com/office/drawing/2010/main">
+        <mc:Choice Requires="a14">
           <p:sp>
             <p:nvSpPr>
               <p:cNvPr id="3" name="Объект 2"/>
@@ -10108,7 +10116,7 @@
             </p:txBody>
           </p:sp>
         </mc:Choice>
-        <mc:Fallback>
+        <mc:Fallback xmlns="">
           <p:sp>
             <p:nvSpPr>
               <p:cNvPr id="3" name="Объект 2"/>

--- a/Lectures/MACsLite.pptx
+++ b/Lectures/MACsLite.pptx
@@ -227,7 +227,7 @@
           <a:p>
             <a:fld id="{CBA08D16-15DC-4E25-BDC3-F25146157B16}" type="datetimeFigureOut">
               <a:rPr lang="ru-RU" smtClean="0"/>
-              <a:t>09.04.2020</a:t>
+              <a:t>15.04.2020</a:t>
             </a:fld>
             <a:endParaRPr lang="ru-RU"/>
           </a:p>
@@ -626,7 +626,7 @@
           <a:p>
             <a:fld id="{FCEC8293-DB51-454A-BE81-EC8FCB31EBA2}" type="datetime1">
               <a:rPr lang="ru-RU" smtClean="0"/>
-              <a:t>09.04.2020</a:t>
+              <a:t>15.04.2020</a:t>
             </a:fld>
             <a:endParaRPr lang="ru-RU"/>
           </a:p>
@@ -800,7 +800,7 @@
           <a:p>
             <a:fld id="{241C87B1-1C35-4DBD-BC18-2BC72E776603}" type="datetime1">
               <a:rPr lang="ru-RU" smtClean="0"/>
-              <a:t>09.04.2020</a:t>
+              <a:t>15.04.2020</a:t>
             </a:fld>
             <a:endParaRPr lang="ru-RU"/>
           </a:p>
@@ -984,7 +984,7 @@
           <a:p>
             <a:fld id="{3134C275-26C0-42CD-9111-9ADE65922AF9}" type="datetime1">
               <a:rPr lang="ru-RU" smtClean="0"/>
-              <a:t>09.04.2020</a:t>
+              <a:t>15.04.2020</a:t>
             </a:fld>
             <a:endParaRPr lang="ru-RU"/>
           </a:p>
@@ -1158,7 +1158,7 @@
           <a:p>
             <a:fld id="{C1A9A50B-C350-45F5-8AAB-ADB9E670AF2E}" type="datetime1">
               <a:rPr lang="ru-RU" smtClean="0"/>
-              <a:t>09.04.2020</a:t>
+              <a:t>15.04.2020</a:t>
             </a:fld>
             <a:endParaRPr lang="ru-RU"/>
           </a:p>
@@ -1408,7 +1408,7 @@
           <a:p>
             <a:fld id="{089688C9-348F-42F9-B6C0-5990DDE0C5B2}" type="datetime1">
               <a:rPr lang="ru-RU" smtClean="0"/>
-              <a:t>09.04.2020</a:t>
+              <a:t>15.04.2020</a:t>
             </a:fld>
             <a:endParaRPr lang="ru-RU"/>
           </a:p>
@@ -1644,7 +1644,7 @@
           <a:p>
             <a:fld id="{684AFD8F-6DD9-4AD3-A505-FDC3F5C5F3F6}" type="datetime1">
               <a:rPr lang="ru-RU" smtClean="0"/>
-              <a:t>09.04.2020</a:t>
+              <a:t>15.04.2020</a:t>
             </a:fld>
             <a:endParaRPr lang="ru-RU"/>
           </a:p>
@@ -2015,7 +2015,7 @@
           <a:p>
             <a:fld id="{63551EFE-4D02-45EB-A747-8B6F047B5AA0}" type="datetime1">
               <a:rPr lang="ru-RU" smtClean="0"/>
-              <a:t>09.04.2020</a:t>
+              <a:t>15.04.2020</a:t>
             </a:fld>
             <a:endParaRPr lang="ru-RU"/>
           </a:p>
@@ -2137,7 +2137,7 @@
           <a:p>
             <a:fld id="{813A9F34-E5CD-4B8F-AA9E-889C84372B20}" type="datetime1">
               <a:rPr lang="ru-RU" smtClean="0"/>
-              <a:t>09.04.2020</a:t>
+              <a:t>15.04.2020</a:t>
             </a:fld>
             <a:endParaRPr lang="ru-RU"/>
           </a:p>
@@ -2236,7 +2236,7 @@
           <a:p>
             <a:fld id="{51224D22-9B29-44A6-8E82-95FC492DEDC1}" type="datetime1">
               <a:rPr lang="ru-RU" smtClean="0"/>
-              <a:t>09.04.2020</a:t>
+              <a:t>15.04.2020</a:t>
             </a:fld>
             <a:endParaRPr lang="ru-RU"/>
           </a:p>
@@ -2517,7 +2517,7 @@
           <a:p>
             <a:fld id="{91D1034F-4441-48A1-BDC0-25EA1022324A}" type="datetime1">
               <a:rPr lang="ru-RU" smtClean="0"/>
-              <a:t>09.04.2020</a:t>
+              <a:t>15.04.2020</a:t>
             </a:fld>
             <a:endParaRPr lang="ru-RU"/>
           </a:p>
@@ -2774,7 +2774,7 @@
           <a:p>
             <a:fld id="{B0FFDE79-B627-473B-AE17-4C65BD2495F7}" type="datetime1">
               <a:rPr lang="ru-RU" smtClean="0"/>
-              <a:t>09.04.2020</a:t>
+              <a:t>15.04.2020</a:t>
             </a:fld>
             <a:endParaRPr lang="ru-RU"/>
           </a:p>
@@ -2991,7 +2991,7 @@
           <a:p>
             <a:fld id="{11CA537A-1B8C-47BA-9BA6-7CE3FAFDA8BE}" type="datetime1">
               <a:rPr lang="ru-RU" smtClean="0"/>
-              <a:t>09.04.2020</a:t>
+              <a:t>15.04.2020</a:t>
             </a:fld>
             <a:endParaRPr lang="ru-RU"/>
           </a:p>
@@ -8986,8 +8986,8 @@
           </a:p>
         </p:txBody>
       </p:sp>
-      <mc:AlternateContent xmlns:mc="http://schemas.openxmlformats.org/markup-compatibility/2006">
-        <mc:Choice xmlns:a14="http://schemas.microsoft.com/office/drawing/2010/main" Requires="a14">
+      <mc:AlternateContent xmlns:mc="http://schemas.openxmlformats.org/markup-compatibility/2006" xmlns:a14="http://schemas.microsoft.com/office/drawing/2010/main">
+        <mc:Choice Requires="a14">
           <p:sp>
             <p:nvSpPr>
               <p:cNvPr id="3" name="Объект 2"/>
@@ -9031,11 +9031,7 @@
                 </a:r>
                 <a:r>
                   <a:rPr lang="ru-RU" smtClean="0"/>
-                  <a:t>итеративную </a:t>
-                </a:r>
-                <a:r>
-                  <a:rPr lang="ru-RU" smtClean="0"/>
-                  <a:t>хэш-функцию. </a:t>
+                  <a:t>итеративную хэш-функцию. </a:t>
                 </a:r>
                 <a:r>
                   <a:rPr lang="ru-RU" dirty="0" smtClean="0"/>
@@ -9050,7 +9046,7 @@
             </p:txBody>
           </p:sp>
         </mc:Choice>
-        <mc:Fallback>
+        <mc:Fallback xmlns="">
           <p:sp>
             <p:nvSpPr>
               <p:cNvPr id="3" name="Объект 2"/>
@@ -9511,8 +9507,8 @@
           </a:p>
         </p:txBody>
       </p:sp>
-      <mc:AlternateContent xmlns:mc="http://schemas.openxmlformats.org/markup-compatibility/2006" xmlns:a14="http://schemas.microsoft.com/office/drawing/2010/main">
-        <mc:Choice Requires="a14">
+      <mc:AlternateContent xmlns:mc="http://schemas.openxmlformats.org/markup-compatibility/2006">
+        <mc:Choice xmlns:a14="http://schemas.microsoft.com/office/drawing/2010/main" Requires="a14">
           <p:sp>
             <p:nvSpPr>
               <p:cNvPr id="3" name="Объект 2"/>
@@ -10046,63 +10042,57 @@
                         </a:rPr>
                         <m:t>|</m:t>
                       </m:r>
+                      <m:r>
+                        <a:rPr lang="en-US" b="0" i="1" dirty="0" smtClean="0">
+                          <a:latin typeface="Cambria Math" panose="02040503050406030204" pitchFamily="18" charset="0"/>
+                        </a:rPr>
+                        <m:t>|</m:t>
+                      </m:r>
+                      <m:r>
+                        <a:rPr lang="en-US" i="1" dirty="0">
+                          <a:latin typeface="Cambria Math" panose="02040503050406030204" pitchFamily="18" charset="0"/>
+                        </a:rPr>
+                        <m:t>𝐻</m:t>
+                      </m:r>
                       <m:d>
                         <m:dPr>
-                          <m:begChr m:val="|"/>
                           <m:ctrlPr>
-                            <a:rPr lang="en-US" b="0" i="1" dirty="0" smtClean="0">
+                            <a:rPr lang="en-US" i="1" dirty="0">
                               <a:latin typeface="Cambria Math" panose="02040503050406030204" pitchFamily="18" charset="0"/>
                             </a:rPr>
                           </m:ctrlPr>
                         </m:dPr>
                         <m:e>
                           <m:r>
-                            <a:rPr lang="en-US" b="0" i="1" dirty="0" smtClean="0">
+                            <a:rPr lang="en-US" i="1" dirty="0">
                               <a:latin typeface="Cambria Math" panose="02040503050406030204" pitchFamily="18" charset="0"/>
                             </a:rPr>
-                            <m:t>𝐻</m:t>
+                            <m:t>𝑘</m:t>
                           </m:r>
-                          <m:d>
-                            <m:dPr>
-                              <m:ctrlPr>
-                                <a:rPr lang="en-US" b="0" i="1" dirty="0" smtClean="0">
-                                  <a:latin typeface="Cambria Math" panose="02040503050406030204" pitchFamily="18" charset="0"/>
-                                </a:rPr>
-                              </m:ctrlPr>
-                            </m:dPr>
-                            <m:e>
-                              <m:r>
-                                <a:rPr lang="en-US" b="0" i="1" dirty="0" smtClean="0">
-                                  <a:latin typeface="Cambria Math" panose="02040503050406030204" pitchFamily="18" charset="0"/>
-                                </a:rPr>
-                                <m:t>𝑘</m:t>
-                              </m:r>
-                              <m:r>
-                                <a:rPr lang="en-US" b="0" i="1" dirty="0" smtClean="0">
-                                  <a:latin typeface="Cambria Math" panose="02040503050406030204" pitchFamily="18" charset="0"/>
-                                </a:rPr>
-                                <m:t>⊕</m:t>
-                              </m:r>
-                              <m:r>
-                                <a:rPr lang="en-US" b="0" i="1" dirty="0" smtClean="0">
-                                  <a:latin typeface="Cambria Math" panose="02040503050406030204" pitchFamily="18" charset="0"/>
-                                </a:rPr>
-                                <m:t>𝑖𝑝𝑎𝑑</m:t>
-                              </m:r>
-                              <m:r>
-                                <a:rPr lang="en-US" b="0" i="1" dirty="0" smtClean="0">
-                                  <a:latin typeface="Cambria Math" panose="02040503050406030204" pitchFamily="18" charset="0"/>
-                                </a:rPr>
-                                <m:t>,</m:t>
-                              </m:r>
-                              <m:r>
-                                <a:rPr lang="en-US" b="0" i="1" dirty="0" smtClean="0">
-                                  <a:latin typeface="Cambria Math" panose="02040503050406030204" pitchFamily="18" charset="0"/>
-                                </a:rPr>
-                                <m:t>𝑚</m:t>
-                              </m:r>
-                            </m:e>
-                          </m:d>
+                          <m:r>
+                            <a:rPr lang="en-US" i="1" dirty="0">
+                              <a:latin typeface="Cambria Math" panose="02040503050406030204" pitchFamily="18" charset="0"/>
+                            </a:rPr>
+                            <m:t>⊕</m:t>
+                          </m:r>
+                          <m:r>
+                            <a:rPr lang="en-US" i="1" dirty="0">
+                              <a:latin typeface="Cambria Math" panose="02040503050406030204" pitchFamily="18" charset="0"/>
+                            </a:rPr>
+                            <m:t>𝑖𝑝𝑎𝑑</m:t>
+                          </m:r>
+                          <m:r>
+                            <a:rPr lang="en-US" i="1" dirty="0">
+                              <a:latin typeface="Cambria Math" panose="02040503050406030204" pitchFamily="18" charset="0"/>
+                            </a:rPr>
+                            <m:t>||</m:t>
+                          </m:r>
+                          <m:r>
+                            <a:rPr lang="en-US" i="1" dirty="0">
+                              <a:latin typeface="Cambria Math" panose="02040503050406030204" pitchFamily="18" charset="0"/>
+                            </a:rPr>
+                            <m:t>𝑚</m:t>
+                          </m:r>
                         </m:e>
                       </m:d>
                     </m:oMath>
@@ -10116,7 +10106,7 @@
             </p:txBody>
           </p:sp>
         </mc:Choice>
-        <mc:Fallback xmlns="">
+        <mc:Fallback>
           <p:sp>
             <p:nvSpPr>
               <p:cNvPr id="3" name="Объект 2"/>

--- a/Lectures/MACsLite.pptx
+++ b/Lectures/MACsLite.pptx
@@ -227,7 +227,7 @@
           <a:p>
             <a:fld id="{CBA08D16-15DC-4E25-BDC3-F25146157B16}" type="datetimeFigureOut">
               <a:rPr lang="ru-RU" smtClean="0"/>
-              <a:t>15.04.2020</a:t>
+              <a:t>18.03.2021</a:t>
             </a:fld>
             <a:endParaRPr lang="ru-RU"/>
           </a:p>
@@ -626,7 +626,7 @@
           <a:p>
             <a:fld id="{FCEC8293-DB51-454A-BE81-EC8FCB31EBA2}" type="datetime1">
               <a:rPr lang="ru-RU" smtClean="0"/>
-              <a:t>15.04.2020</a:t>
+              <a:t>18.03.2021</a:t>
             </a:fld>
             <a:endParaRPr lang="ru-RU"/>
           </a:p>
@@ -800,7 +800,7 @@
           <a:p>
             <a:fld id="{241C87B1-1C35-4DBD-BC18-2BC72E776603}" type="datetime1">
               <a:rPr lang="ru-RU" smtClean="0"/>
-              <a:t>15.04.2020</a:t>
+              <a:t>18.03.2021</a:t>
             </a:fld>
             <a:endParaRPr lang="ru-RU"/>
           </a:p>
@@ -984,7 +984,7 @@
           <a:p>
             <a:fld id="{3134C275-26C0-42CD-9111-9ADE65922AF9}" type="datetime1">
               <a:rPr lang="ru-RU" smtClean="0"/>
-              <a:t>15.04.2020</a:t>
+              <a:t>18.03.2021</a:t>
             </a:fld>
             <a:endParaRPr lang="ru-RU"/>
           </a:p>
@@ -1158,7 +1158,7 @@
           <a:p>
             <a:fld id="{C1A9A50B-C350-45F5-8AAB-ADB9E670AF2E}" type="datetime1">
               <a:rPr lang="ru-RU" smtClean="0"/>
-              <a:t>15.04.2020</a:t>
+              <a:t>18.03.2021</a:t>
             </a:fld>
             <a:endParaRPr lang="ru-RU"/>
           </a:p>
@@ -1408,7 +1408,7 @@
           <a:p>
             <a:fld id="{089688C9-348F-42F9-B6C0-5990DDE0C5B2}" type="datetime1">
               <a:rPr lang="ru-RU" smtClean="0"/>
-              <a:t>15.04.2020</a:t>
+              <a:t>18.03.2021</a:t>
             </a:fld>
             <a:endParaRPr lang="ru-RU"/>
           </a:p>
@@ -1644,7 +1644,7 @@
           <a:p>
             <a:fld id="{684AFD8F-6DD9-4AD3-A505-FDC3F5C5F3F6}" type="datetime1">
               <a:rPr lang="ru-RU" smtClean="0"/>
-              <a:t>15.04.2020</a:t>
+              <a:t>18.03.2021</a:t>
             </a:fld>
             <a:endParaRPr lang="ru-RU"/>
           </a:p>
@@ -2015,7 +2015,7 @@
           <a:p>
             <a:fld id="{63551EFE-4D02-45EB-A747-8B6F047B5AA0}" type="datetime1">
               <a:rPr lang="ru-RU" smtClean="0"/>
-              <a:t>15.04.2020</a:t>
+              <a:t>18.03.2021</a:t>
             </a:fld>
             <a:endParaRPr lang="ru-RU"/>
           </a:p>
@@ -2137,7 +2137,7 @@
           <a:p>
             <a:fld id="{813A9F34-E5CD-4B8F-AA9E-889C84372B20}" type="datetime1">
               <a:rPr lang="ru-RU" smtClean="0"/>
-              <a:t>15.04.2020</a:t>
+              <a:t>18.03.2021</a:t>
             </a:fld>
             <a:endParaRPr lang="ru-RU"/>
           </a:p>
@@ -2236,7 +2236,7 @@
           <a:p>
             <a:fld id="{51224D22-9B29-44A6-8E82-95FC492DEDC1}" type="datetime1">
               <a:rPr lang="ru-RU" smtClean="0"/>
-              <a:t>15.04.2020</a:t>
+              <a:t>18.03.2021</a:t>
             </a:fld>
             <a:endParaRPr lang="ru-RU"/>
           </a:p>
@@ -2517,7 +2517,7 @@
           <a:p>
             <a:fld id="{91D1034F-4441-48A1-BDC0-25EA1022324A}" type="datetime1">
               <a:rPr lang="ru-RU" smtClean="0"/>
-              <a:t>15.04.2020</a:t>
+              <a:t>18.03.2021</a:t>
             </a:fld>
             <a:endParaRPr lang="ru-RU"/>
           </a:p>
@@ -2774,7 +2774,7 @@
           <a:p>
             <a:fld id="{B0FFDE79-B627-473B-AE17-4C65BD2495F7}" type="datetime1">
               <a:rPr lang="ru-RU" smtClean="0"/>
-              <a:t>15.04.2020</a:t>
+              <a:t>18.03.2021</a:t>
             </a:fld>
             <a:endParaRPr lang="ru-RU"/>
           </a:p>
@@ -2991,7 +2991,7 @@
           <a:p>
             <a:fld id="{11CA537A-1B8C-47BA-9BA6-7CE3FAFDA8BE}" type="datetime1">
               <a:rPr lang="ru-RU" smtClean="0"/>
-              <a:t>15.04.2020</a:t>
+              <a:t>18.03.2021</a:t>
             </a:fld>
             <a:endParaRPr lang="ru-RU"/>
           </a:p>
@@ -6714,6 +6714,13 @@
   <p:clrMapOvr>
     <a:masterClrMapping/>
   </p:clrMapOvr>
+  <p:timing>
+    <p:tnLst>
+      <p:par>
+        <p:cTn id="1" dur="indefinite" restart="never" nodeType="tmRoot"/>
+      </p:par>
+    </p:tnLst>
+  </p:timing>
 </p:sld>
 </file>
 
@@ -6836,6 +6843,13 @@
   <p:clrMapOvr>
     <a:masterClrMapping/>
   </p:clrMapOvr>
+  <p:timing>
+    <p:tnLst>
+      <p:par>
+        <p:cTn id="1" dur="indefinite" restart="never" nodeType="tmRoot"/>
+      </p:par>
+    </p:tnLst>
+  </p:timing>
 </p:sld>
 </file>
 
@@ -6958,6 +6972,13 @@
   <p:clrMapOvr>
     <a:masterClrMapping/>
   </p:clrMapOvr>
+  <p:timing>
+    <p:tnLst>
+      <p:par>
+        <p:cTn id="1" dur="indefinite" restart="never" nodeType="tmRoot"/>
+      </p:par>
+    </p:tnLst>
+  </p:timing>
 </p:sld>
 </file>
 
@@ -7415,6 +7436,13 @@
   <p:clrMapOvr>
     <a:masterClrMapping/>
   </p:clrMapOvr>
+  <p:timing>
+    <p:tnLst>
+      <p:par>
+        <p:cTn id="1" dur="indefinite" restart="never" nodeType="tmRoot"/>
+      </p:par>
+    </p:tnLst>
+  </p:timing>
 </p:sld>
 </file>
 
@@ -7544,6 +7572,13 @@
   <p:clrMapOvr>
     <a:masterClrMapping/>
   </p:clrMapOvr>
+  <p:timing>
+    <p:tnLst>
+      <p:par>
+        <p:cTn id="1" dur="indefinite" restart="never" nodeType="tmRoot"/>
+      </p:par>
+    </p:tnLst>
+  </p:timing>
 </p:sld>
 </file>
 
@@ -8943,6 +8978,13 @@
   <p:clrMapOvr>
     <a:masterClrMapping/>
   </p:clrMapOvr>
+  <p:timing>
+    <p:tnLst>
+      <p:par>
+        <p:cTn id="1" dur="indefinite" restart="never" nodeType="tmRoot"/>
+      </p:par>
+    </p:tnLst>
+  </p:timing>
 </p:sld>
 </file>
 
@@ -9137,6 +9179,13 @@
   <p:clrMapOvr>
     <a:masterClrMapping/>
   </p:clrMapOvr>
+  <p:timing>
+    <p:tnLst>
+      <p:par>
+        <p:cTn id="1" dur="indefinite" restart="never" nodeType="tmRoot"/>
+      </p:par>
+    </p:tnLst>
+  </p:timing>
 </p:sld>
 </file>
 
@@ -9464,6 +9513,13 @@
   <p:clrMapOvr>
     <a:masterClrMapping/>
   </p:clrMapOvr>
+  <p:timing>
+    <p:tnLst>
+      <p:par>
+        <p:cTn id="1" dur="indefinite" restart="never" nodeType="tmRoot"/>
+      </p:par>
+    </p:tnLst>
+  </p:timing>
 </p:sld>
 </file>
 
@@ -10040,13 +10096,7 @@
                         <a:rPr lang="en-US" b="0" i="1" dirty="0" smtClean="0">
                           <a:latin typeface="Cambria Math" panose="02040503050406030204" pitchFamily="18" charset="0"/>
                         </a:rPr>
-                        <m:t>|</m:t>
-                      </m:r>
-                      <m:r>
-                        <a:rPr lang="en-US" b="0" i="1" dirty="0" smtClean="0">
-                          <a:latin typeface="Cambria Math" panose="02040503050406030204" pitchFamily="18" charset="0"/>
-                        </a:rPr>
-                        <m:t>|</m:t>
+                        <m:t>||</m:t>
                       </m:r>
                       <m:r>
                         <a:rPr lang="en-US" i="1" dirty="0">
@@ -10095,6 +10145,12 @@
                           </m:r>
                         </m:e>
                       </m:d>
+                      <m:r>
+                        <a:rPr lang="ru-RU" b="0" i="1" dirty="0" smtClean="0">
+                          <a:latin typeface="Cambria Math" panose="02040503050406030204" pitchFamily="18" charset="0"/>
+                        </a:rPr>
+                        <m:t>)</m:t>
+                      </m:r>
                     </m:oMath>
                   </m:oMathPara>
                 </a14:m>
@@ -10173,6 +10229,13 @@
   <p:clrMapOvr>
     <a:masterClrMapping/>
   </p:clrMapOvr>
+  <p:timing>
+    <p:tnLst>
+      <p:par>
+        <p:cTn id="1" dur="indefinite" restart="never" nodeType="tmRoot"/>
+      </p:par>
+    </p:tnLst>
+  </p:timing>
 </p:sld>
 </file>
 
@@ -10325,6 +10388,13 @@
   <p:clrMapOvr>
     <a:masterClrMapping/>
   </p:clrMapOvr>
+  <p:timing>
+    <p:tnLst>
+      <p:par>
+        <p:cTn id="1" dur="indefinite" restart="never" nodeType="tmRoot"/>
+      </p:par>
+    </p:tnLst>
+  </p:timing>
 </p:sld>
 </file>
 
@@ -12650,6 +12720,13 @@
   <p:clrMapOvr>
     <a:masterClrMapping/>
   </p:clrMapOvr>
+  <p:timing>
+    <p:tnLst>
+      <p:par>
+        <p:cTn id="1" dur="indefinite" restart="never" nodeType="tmRoot"/>
+      </p:par>
+    </p:tnLst>
+  </p:timing>
 </p:sld>
 </file>
 
@@ -13078,6 +13155,13 @@
   <p:clrMapOvr>
     <a:masterClrMapping/>
   </p:clrMapOvr>
+  <p:timing>
+    <p:tnLst>
+      <p:par>
+        <p:cTn id="1" dur="indefinite" restart="never" nodeType="tmRoot"/>
+      </p:par>
+    </p:tnLst>
+  </p:timing>
 </p:sld>
 </file>
 
@@ -13248,6 +13332,13 @@
   <p:clrMapOvr>
     <a:masterClrMapping/>
   </p:clrMapOvr>
+  <p:timing>
+    <p:tnLst>
+      <p:par>
+        <p:cTn id="1" dur="indefinite" restart="never" nodeType="tmRoot"/>
+      </p:par>
+    </p:tnLst>
+  </p:timing>
 </p:sld>
 </file>
 

--- a/Lectures/MACsLite.pptx
+++ b/Lectures/MACsLite.pptx
@@ -5,7 +5,7 @@
     <p:sldMasterId id="2147483648" r:id="rId1"/>
   </p:sldMasterIdLst>
   <p:notesMasterIdLst>
-    <p:notesMasterId r:id="rId30"/>
+    <p:notesMasterId r:id="rId29"/>
   </p:notesMasterIdLst>
   <p:sldIdLst>
     <p:sldId id="256" r:id="rId2"/>
@@ -25,17 +25,16 @@
     <p:sldId id="270" r:id="rId16"/>
     <p:sldId id="271" r:id="rId17"/>
     <p:sldId id="272" r:id="rId18"/>
-    <p:sldId id="273" r:id="rId19"/>
-    <p:sldId id="274" r:id="rId20"/>
-    <p:sldId id="275" r:id="rId21"/>
-    <p:sldId id="276" r:id="rId22"/>
-    <p:sldId id="277" r:id="rId23"/>
-    <p:sldId id="278" r:id="rId24"/>
-    <p:sldId id="279" r:id="rId25"/>
-    <p:sldId id="280" r:id="rId26"/>
-    <p:sldId id="281" r:id="rId27"/>
-    <p:sldId id="282" r:id="rId28"/>
-    <p:sldId id="283" r:id="rId29"/>
+    <p:sldId id="274" r:id="rId19"/>
+    <p:sldId id="275" r:id="rId20"/>
+    <p:sldId id="276" r:id="rId21"/>
+    <p:sldId id="277" r:id="rId22"/>
+    <p:sldId id="278" r:id="rId23"/>
+    <p:sldId id="279" r:id="rId24"/>
+    <p:sldId id="280" r:id="rId25"/>
+    <p:sldId id="281" r:id="rId26"/>
+    <p:sldId id="282" r:id="rId27"/>
+    <p:sldId id="283" r:id="rId28"/>
   </p:sldIdLst>
   <p:sldSz cx="12192000" cy="6858000"/>
   <p:notesSz cx="6858000" cy="9144000"/>
@@ -227,7 +226,7 @@
           <a:p>
             <a:fld id="{CBA08D16-15DC-4E25-BDC3-F25146157B16}" type="datetimeFigureOut">
               <a:rPr lang="ru-RU" smtClean="0"/>
-              <a:t>18.03.2021</a:t>
+              <a:t>09.03.2023</a:t>
             </a:fld>
             <a:endParaRPr lang="ru-RU"/>
           </a:p>
@@ -626,7 +625,7 @@
           <a:p>
             <a:fld id="{FCEC8293-DB51-454A-BE81-EC8FCB31EBA2}" type="datetime1">
               <a:rPr lang="ru-RU" smtClean="0"/>
-              <a:t>18.03.2021</a:t>
+              <a:t>09.03.2023</a:t>
             </a:fld>
             <a:endParaRPr lang="ru-RU"/>
           </a:p>
@@ -800,7 +799,7 @@
           <a:p>
             <a:fld id="{241C87B1-1C35-4DBD-BC18-2BC72E776603}" type="datetime1">
               <a:rPr lang="ru-RU" smtClean="0"/>
-              <a:t>18.03.2021</a:t>
+              <a:t>09.03.2023</a:t>
             </a:fld>
             <a:endParaRPr lang="ru-RU"/>
           </a:p>
@@ -984,7 +983,7 @@
           <a:p>
             <a:fld id="{3134C275-26C0-42CD-9111-9ADE65922AF9}" type="datetime1">
               <a:rPr lang="ru-RU" smtClean="0"/>
-              <a:t>18.03.2021</a:t>
+              <a:t>09.03.2023</a:t>
             </a:fld>
             <a:endParaRPr lang="ru-RU"/>
           </a:p>
@@ -1158,7 +1157,7 @@
           <a:p>
             <a:fld id="{C1A9A50B-C350-45F5-8AAB-ADB9E670AF2E}" type="datetime1">
               <a:rPr lang="ru-RU" smtClean="0"/>
-              <a:t>18.03.2021</a:t>
+              <a:t>09.03.2023</a:t>
             </a:fld>
             <a:endParaRPr lang="ru-RU"/>
           </a:p>
@@ -1408,7 +1407,7 @@
           <a:p>
             <a:fld id="{089688C9-348F-42F9-B6C0-5990DDE0C5B2}" type="datetime1">
               <a:rPr lang="ru-RU" smtClean="0"/>
-              <a:t>18.03.2021</a:t>
+              <a:t>09.03.2023</a:t>
             </a:fld>
             <a:endParaRPr lang="ru-RU"/>
           </a:p>
@@ -1644,7 +1643,7 @@
           <a:p>
             <a:fld id="{684AFD8F-6DD9-4AD3-A505-FDC3F5C5F3F6}" type="datetime1">
               <a:rPr lang="ru-RU" smtClean="0"/>
-              <a:t>18.03.2021</a:t>
+              <a:t>09.03.2023</a:t>
             </a:fld>
             <a:endParaRPr lang="ru-RU"/>
           </a:p>
@@ -2015,7 +2014,7 @@
           <a:p>
             <a:fld id="{63551EFE-4D02-45EB-A747-8B6F047B5AA0}" type="datetime1">
               <a:rPr lang="ru-RU" smtClean="0"/>
-              <a:t>18.03.2021</a:t>
+              <a:t>09.03.2023</a:t>
             </a:fld>
             <a:endParaRPr lang="ru-RU"/>
           </a:p>
@@ -2137,7 +2136,7 @@
           <a:p>
             <a:fld id="{813A9F34-E5CD-4B8F-AA9E-889C84372B20}" type="datetime1">
               <a:rPr lang="ru-RU" smtClean="0"/>
-              <a:t>18.03.2021</a:t>
+              <a:t>09.03.2023</a:t>
             </a:fld>
             <a:endParaRPr lang="ru-RU"/>
           </a:p>
@@ -2236,7 +2235,7 @@
           <a:p>
             <a:fld id="{51224D22-9B29-44A6-8E82-95FC492DEDC1}" type="datetime1">
               <a:rPr lang="ru-RU" smtClean="0"/>
-              <a:t>18.03.2021</a:t>
+              <a:t>09.03.2023</a:t>
             </a:fld>
             <a:endParaRPr lang="ru-RU"/>
           </a:p>
@@ -2517,7 +2516,7 @@
           <a:p>
             <a:fld id="{91D1034F-4441-48A1-BDC0-25EA1022324A}" type="datetime1">
               <a:rPr lang="ru-RU" smtClean="0"/>
-              <a:t>18.03.2021</a:t>
+              <a:t>09.03.2023</a:t>
             </a:fld>
             <a:endParaRPr lang="ru-RU"/>
           </a:p>
@@ -2774,7 +2773,7 @@
           <a:p>
             <a:fld id="{B0FFDE79-B627-473B-AE17-4C65BD2495F7}" type="datetime1">
               <a:rPr lang="ru-RU" smtClean="0"/>
-              <a:t>18.03.2021</a:t>
+              <a:t>09.03.2023</a:t>
             </a:fld>
             <a:endParaRPr lang="ru-RU"/>
           </a:p>
@@ -2991,7 +2990,7 @@
           <a:p>
             <a:fld id="{11CA537A-1B8C-47BA-9BA6-7CE3FAFDA8BE}" type="datetime1">
               <a:rPr lang="ru-RU" smtClean="0"/>
-              <a:t>18.03.2021</a:t>
+              <a:t>09.03.2023</a:t>
             </a:fld>
             <a:endParaRPr lang="ru-RU"/>
           </a:p>
@@ -3454,7 +3453,15 @@
           <a:p>
             <a:r>
               <a:rPr lang="ru-RU" dirty="0" smtClean="0"/>
-              <a:t>МИФИ 2020</a:t>
+              <a:t>МИФИ </a:t>
+            </a:r>
+            <a:r>
+              <a:rPr lang="ru-RU" dirty="0" smtClean="0"/>
+              <a:t>202</a:t>
+            </a:r>
+            <a:r>
+              <a:rPr lang="en-US" dirty="0" smtClean="0"/>
+              <a:t>3</a:t>
             </a:r>
             <a:endParaRPr lang="ru-RU" dirty="0"/>
           </a:p>
@@ -3544,7 +3551,9 @@
         </p:nvSpPr>
         <p:spPr/>
         <p:txBody>
-          <a:bodyPr/>
+          <a:bodyPr>
+            <a:normAutofit lnSpcReduction="10000"/>
+          </a:bodyPr>
           <a:lstStyle/>
           <a:p>
             <a:pPr marL="0" indent="0">
@@ -3564,11 +3573,31 @@
             </a:r>
             <a:r>
               <a:rPr lang="ru-RU" dirty="0" err="1" smtClean="0"/>
-              <a:t>суперполиномиальной</a:t>
+              <a:t>сверх-полиномиальной</a:t>
             </a:r>
             <a:r>
               <a:rPr lang="ru-RU" dirty="0" smtClean="0"/>
-              <a:t> областью значений является стойким </a:t>
+              <a:t> областью значений (т.е. достаточной большим размером выхода, на практике </a:t>
+            </a:r>
+            <a:r>
+              <a:rPr lang="en-US" dirty="0" smtClean="0"/>
+              <a:t>&gt;</a:t>
+            </a:r>
+            <a:r>
+              <a:rPr lang="ru-RU" dirty="0"/>
+              <a:t> </a:t>
+            </a:r>
+            <a:r>
+              <a:rPr lang="ru-RU" dirty="0" smtClean="0"/>
+              <a:t>80 бит</a:t>
+            </a:r>
+            <a:r>
+              <a:rPr lang="en-US" dirty="0" smtClean="0"/>
+              <a:t>)</a:t>
+            </a:r>
+            <a:r>
+              <a:rPr lang="ru-RU" dirty="0" smtClean="0"/>
+              <a:t> является стойким </a:t>
             </a:r>
             <a:r>
               <a:rPr lang="en-US" dirty="0" smtClean="0"/>
@@ -3595,7 +3624,19 @@
             </a:r>
             <a:r>
               <a:rPr lang="en-US" dirty="0" smtClean="0"/>
-              <a:t>PRF </a:t>
+              <a:t>PRF</a:t>
+            </a:r>
+            <a:r>
+              <a:rPr lang="ru-RU" dirty="0" smtClean="0"/>
+              <a:t> </a:t>
+            </a:r>
+            <a:r>
+              <a:rPr lang="ru-RU" smtClean="0"/>
+              <a:t>(блочные шифры)</a:t>
+            </a:r>
+            <a:r>
+              <a:rPr lang="en-US" smtClean="0"/>
+              <a:t> </a:t>
             </a:r>
             <a:r>
               <a:rPr lang="ru-RU" dirty="0" smtClean="0"/>
@@ -7015,370 +7056,66 @@
           <a:lstStyle/>
           <a:p>
             <a:r>
-              <a:rPr lang="ru-RU" dirty="0" smtClean="0"/>
-              <a:t>Построение инъективных функций</a:t>
+              <a:rPr lang="en-US" dirty="0" smtClean="0"/>
+              <a:t>CMAC</a:t>
             </a:r>
             <a:endParaRPr lang="ru-RU" dirty="0"/>
           </a:p>
         </p:txBody>
       </p:sp>
-      <mc:AlternateContent xmlns:mc="http://schemas.openxmlformats.org/markup-compatibility/2006" xmlns:a14="http://schemas.microsoft.com/office/drawing/2010/main">
-        <mc:Choice Requires="a14">
-          <p:sp>
-            <p:nvSpPr>
-              <p:cNvPr id="3" name="Объект 2"/>
-              <p:cNvSpPr>
-                <a:spLocks noGrp="1"/>
-              </p:cNvSpPr>
-              <p:nvPr>
-                <p:ph idx="1"/>
-              </p:nvPr>
-            </p:nvSpPr>
-            <p:spPr/>
-            <p:txBody>
-              <a:bodyPr/>
-              <a:lstStyle/>
-              <a:p>
-                <a:pPr marL="0" indent="0">
-                  <a:buNone/>
-                </a:pPr>
-                <a:r>
-                  <a:rPr lang="ru-RU" dirty="0" smtClean="0"/>
-                  <a:t>Пусть </a:t>
-                </a:r>
-                <a14:m>
-                  <m:oMath xmlns:m="http://schemas.openxmlformats.org/officeDocument/2006/math">
-                    <m:r>
-                      <a:rPr lang="en-US" b="0" i="1" smtClean="0">
-                        <a:latin typeface="Cambria Math" panose="02040503050406030204" pitchFamily="18" charset="0"/>
-                      </a:rPr>
-                      <m:t>𝑋</m:t>
-                    </m:r>
-                    <m:r>
-                      <a:rPr lang="en-US" b="0" i="1" smtClean="0">
-                        <a:latin typeface="Cambria Math" panose="02040503050406030204" pitchFamily="18" charset="0"/>
-                      </a:rPr>
-                      <m:t>=</m:t>
-                    </m:r>
-                    <m:sSup>
-                      <m:sSupPr>
-                        <m:ctrlPr>
-                          <a:rPr lang="en-US" b="0" i="1" smtClean="0">
-                            <a:latin typeface="Cambria Math" panose="02040503050406030204" pitchFamily="18" charset="0"/>
-                          </a:rPr>
-                        </m:ctrlPr>
-                      </m:sSupPr>
-                      <m:e>
-                        <m:d>
-                          <m:dPr>
-                            <m:begChr m:val="{"/>
-                            <m:endChr m:val="}"/>
-                            <m:ctrlPr>
-                              <a:rPr lang="en-US" b="0" i="1" smtClean="0">
-                                <a:latin typeface="Cambria Math" panose="02040503050406030204" pitchFamily="18" charset="0"/>
-                              </a:rPr>
-                            </m:ctrlPr>
-                          </m:dPr>
-                          <m:e>
-                            <m:r>
-                              <a:rPr lang="en-US" b="0" i="1" smtClean="0">
-                                <a:latin typeface="Cambria Math" panose="02040503050406030204" pitchFamily="18" charset="0"/>
-                              </a:rPr>
-                              <m:t>0,1</m:t>
-                            </m:r>
-                          </m:e>
-                        </m:d>
-                      </m:e>
-                      <m:sup>
-                        <m:r>
-                          <a:rPr lang="en-US" b="0" i="1" smtClean="0">
-                            <a:latin typeface="Cambria Math" panose="02040503050406030204" pitchFamily="18" charset="0"/>
-                          </a:rPr>
-                          <m:t>𝑛</m:t>
-                        </m:r>
-                      </m:sup>
-                    </m:sSup>
-                    <m:r>
-                      <a:rPr lang="en-US" b="0" i="1" smtClean="0">
-                        <a:latin typeface="Cambria Math" panose="02040503050406030204" pitchFamily="18" charset="0"/>
-                      </a:rPr>
-                      <m:t>, </m:t>
-                    </m:r>
-                    <m:r>
-                      <a:rPr lang="en-US" b="0" i="1" smtClean="0">
-                        <a:latin typeface="Cambria Math" panose="02040503050406030204" pitchFamily="18" charset="0"/>
-                      </a:rPr>
-                      <m:t>𝑖𝑛𝑗</m:t>
-                    </m:r>
-                    <m:r>
-                      <a:rPr lang="en-US" b="0" i="1" smtClean="0">
-                        <a:latin typeface="Cambria Math" panose="02040503050406030204" pitchFamily="18" charset="0"/>
-                      </a:rPr>
-                      <m:t>:</m:t>
-                    </m:r>
-                    <m:sSup>
-                      <m:sSupPr>
-                        <m:ctrlPr>
-                          <a:rPr lang="en-US" b="0" i="1" smtClean="0">
-                            <a:latin typeface="Cambria Math" panose="02040503050406030204" pitchFamily="18" charset="0"/>
-                          </a:rPr>
-                        </m:ctrlPr>
-                      </m:sSupPr>
-                      <m:e>
-                        <m:d>
-                          <m:dPr>
-                            <m:begChr m:val="{"/>
-                            <m:endChr m:val="}"/>
-                            <m:ctrlPr>
-                              <a:rPr lang="en-US" b="0" i="1" smtClean="0">
-                                <a:latin typeface="Cambria Math" panose="02040503050406030204" pitchFamily="18" charset="0"/>
-                              </a:rPr>
-                            </m:ctrlPr>
-                          </m:dPr>
-                          <m:e>
-                            <m:r>
-                              <a:rPr lang="en-US" b="0" i="1" smtClean="0">
-                                <a:latin typeface="Cambria Math" panose="02040503050406030204" pitchFamily="18" charset="0"/>
-                              </a:rPr>
-                              <m:t>0,1</m:t>
-                            </m:r>
-                          </m:e>
-                        </m:d>
-                      </m:e>
-                      <m:sup>
-                        <m:r>
-                          <a:rPr lang="en-US" b="0" i="1" smtClean="0">
-                            <a:latin typeface="Cambria Math" panose="02040503050406030204" pitchFamily="18" charset="0"/>
-                          </a:rPr>
-                          <m:t>≤</m:t>
-                        </m:r>
-                        <m:r>
-                          <a:rPr lang="en-US" b="0" i="1" smtClean="0">
-                            <a:latin typeface="Cambria Math" panose="02040503050406030204" pitchFamily="18" charset="0"/>
-                          </a:rPr>
-                          <m:t>𝑛𝑙</m:t>
-                        </m:r>
-                      </m:sup>
-                    </m:sSup>
-                    <m:r>
-                      <a:rPr lang="en-US" b="0" i="1" smtClean="0">
-                        <a:latin typeface="Cambria Math" panose="02040503050406030204" pitchFamily="18" charset="0"/>
-                      </a:rPr>
-                      <m:t>→</m:t>
-                    </m:r>
-                    <m:sSup>
-                      <m:sSupPr>
-                        <m:ctrlPr>
-                          <a:rPr lang="en-US" b="0" i="1" smtClean="0">
-                            <a:latin typeface="Cambria Math" panose="02040503050406030204" pitchFamily="18" charset="0"/>
-                          </a:rPr>
-                        </m:ctrlPr>
-                      </m:sSupPr>
-                      <m:e>
-                        <m:r>
-                          <a:rPr lang="en-US" b="0" i="1" smtClean="0">
-                            <a:latin typeface="Cambria Math" panose="02040503050406030204" pitchFamily="18" charset="0"/>
-                          </a:rPr>
-                          <m:t>𝑋</m:t>
-                        </m:r>
-                      </m:e>
-                      <m:sup>
-                        <m:r>
-                          <a:rPr lang="en-US" b="0" i="1" smtClean="0">
-                            <a:latin typeface="Cambria Math" panose="02040503050406030204" pitchFamily="18" charset="0"/>
-                          </a:rPr>
-                          <m:t>≤</m:t>
-                        </m:r>
-                        <m:r>
-                          <a:rPr lang="en-US" b="0" i="1" smtClean="0">
-                            <a:latin typeface="Cambria Math" panose="02040503050406030204" pitchFamily="18" charset="0"/>
-                          </a:rPr>
-                          <m:t>𝑙</m:t>
-                        </m:r>
-                        <m:r>
-                          <a:rPr lang="en-US" b="0" i="1" smtClean="0">
-                            <a:latin typeface="Cambria Math" panose="02040503050406030204" pitchFamily="18" charset="0"/>
-                          </a:rPr>
-                          <m:t>+1 </m:t>
-                        </m:r>
-                      </m:sup>
-                    </m:sSup>
-                  </m:oMath>
-                </a14:m>
-                <a:endParaRPr lang="en-US" dirty="0" smtClean="0"/>
-              </a:p>
-              <a:p>
-                <a:pPr marL="0" indent="0">
-                  <a:buNone/>
-                </a:pPr>
-                <a14:m>
-                  <m:oMath xmlns:m="http://schemas.openxmlformats.org/officeDocument/2006/math">
-                    <m:r>
-                      <a:rPr lang="en-US" b="0" i="1" smtClean="0">
-                        <a:latin typeface="Cambria Math" panose="02040503050406030204" pitchFamily="18" charset="0"/>
-                      </a:rPr>
-                      <m:t>𝑖𝑛𝑗</m:t>
-                    </m:r>
-                  </m:oMath>
-                </a14:m>
-                <a:r>
-                  <a:rPr lang="en-US" dirty="0" smtClean="0"/>
-                  <a:t>:</a:t>
-                </a:r>
-              </a:p>
-              <a:p>
-                <a:r>
-                  <a:rPr lang="ru-RU" dirty="0" smtClean="0"/>
-                  <a:t>Если входное сообщение имеет длину не кратную </a:t>
-                </a:r>
-                <a14:m>
-                  <m:oMath xmlns:m="http://schemas.openxmlformats.org/officeDocument/2006/math">
-                    <m:r>
-                      <a:rPr lang="en-US" b="0" i="1" smtClean="0">
-                        <a:latin typeface="Cambria Math" panose="02040503050406030204" pitchFamily="18" charset="0"/>
-                      </a:rPr>
-                      <m:t>𝑛</m:t>
-                    </m:r>
-                  </m:oMath>
-                </a14:m>
-                <a:r>
-                  <a:rPr lang="ru-RU" dirty="0" smtClean="0"/>
-                  <a:t> – добавить 10…00 до длинны кратной </a:t>
-                </a:r>
-                <a14:m>
-                  <m:oMath xmlns:m="http://schemas.openxmlformats.org/officeDocument/2006/math">
-                    <m:r>
-                      <a:rPr lang="en-US" b="0" i="1" smtClean="0">
-                        <a:latin typeface="Cambria Math" panose="02040503050406030204" pitchFamily="18" charset="0"/>
-                      </a:rPr>
-                      <m:t>𝑛</m:t>
-                    </m:r>
-                  </m:oMath>
-                </a14:m>
-                <a:endParaRPr lang="en-US" dirty="0" smtClean="0"/>
-              </a:p>
-              <a:p>
-                <a:r>
-                  <a:rPr lang="ru-RU" dirty="0" smtClean="0"/>
-                  <a:t>Иначе – добавить </a:t>
-                </a:r>
-                <a14:m>
-                  <m:oMath xmlns:m="http://schemas.openxmlformats.org/officeDocument/2006/math">
-                    <m:r>
-                      <a:rPr lang="en-US" b="0" i="1" smtClean="0">
-                        <a:latin typeface="Cambria Math" panose="02040503050406030204" pitchFamily="18" charset="0"/>
-                      </a:rPr>
-                      <m:t>𝑛</m:t>
-                    </m:r>
-                  </m:oMath>
-                </a14:m>
-                <a:r>
-                  <a:rPr lang="en-US" dirty="0" smtClean="0"/>
-                  <a:t>-</a:t>
-                </a:r>
-                <a:r>
-                  <a:rPr lang="ru-RU" dirty="0" smtClean="0"/>
-                  <a:t>блок </a:t>
-                </a:r>
-                <a14:m>
-                  <m:oMath xmlns:m="http://schemas.openxmlformats.org/officeDocument/2006/math">
-                    <m:r>
-                      <a:rPr lang="ru-RU" b="0" i="1" smtClean="0">
-                        <a:latin typeface="Cambria Math" panose="02040503050406030204" pitchFamily="18" charset="0"/>
-                      </a:rPr>
-                      <m:t>(1</m:t>
-                    </m:r>
-                    <m:r>
-                      <a:rPr lang="en-US" b="0" i="1" smtClean="0">
-                        <a:latin typeface="Cambria Math" panose="02040503050406030204" pitchFamily="18" charset="0"/>
-                      </a:rPr>
-                      <m:t>||</m:t>
-                    </m:r>
-                    <m:sSup>
-                      <m:sSupPr>
-                        <m:ctrlPr>
-                          <a:rPr lang="en-US" b="0" i="1" smtClean="0">
-                            <a:latin typeface="Cambria Math" panose="02040503050406030204" pitchFamily="18" charset="0"/>
-                          </a:rPr>
-                        </m:ctrlPr>
-                      </m:sSupPr>
-                      <m:e>
-                        <m:r>
-                          <a:rPr lang="en-US" b="0" i="1" smtClean="0">
-                            <a:latin typeface="Cambria Math" panose="02040503050406030204" pitchFamily="18" charset="0"/>
-                          </a:rPr>
-                          <m:t>0</m:t>
-                        </m:r>
-                      </m:e>
-                      <m:sup>
-                        <m:r>
-                          <a:rPr lang="en-US" b="0" i="1" smtClean="0">
-                            <a:latin typeface="Cambria Math" panose="02040503050406030204" pitchFamily="18" charset="0"/>
-                          </a:rPr>
-                          <m:t>𝑛</m:t>
-                        </m:r>
-                        <m:r>
-                          <a:rPr lang="en-US" b="0" i="1" smtClean="0">
-                            <a:latin typeface="Cambria Math" panose="02040503050406030204" pitchFamily="18" charset="0"/>
-                          </a:rPr>
-                          <m:t>−1</m:t>
-                        </m:r>
-                      </m:sup>
-                    </m:sSup>
-                    <m:r>
-                      <a:rPr lang="en-US" b="0" i="1" smtClean="0">
-                        <a:latin typeface="Cambria Math" panose="02040503050406030204" pitchFamily="18" charset="0"/>
-                      </a:rPr>
-                      <m:t>)</m:t>
-                    </m:r>
-                  </m:oMath>
-                </a14:m>
-                <a:endParaRPr lang="en-US" dirty="0" smtClean="0"/>
-              </a:p>
-              <a:p>
-                <a:r>
-                  <a:rPr lang="ru-RU" dirty="0" smtClean="0"/>
-                  <a:t>Инъективна и обратима</a:t>
-                </a:r>
-                <a:endParaRPr lang="ru-RU" dirty="0"/>
-              </a:p>
-            </p:txBody>
-          </p:sp>
-        </mc:Choice>
-        <mc:Fallback xmlns="">
-          <p:sp>
-            <p:nvSpPr>
-              <p:cNvPr id="3" name="Объект 2"/>
-              <p:cNvSpPr>
-                <a:spLocks noGrp="1" noRot="1" noChangeAspect="1" noMove="1" noResize="1" noEditPoints="1" noAdjustHandles="1" noChangeArrowheads="1" noChangeShapeType="1" noTextEdit="1"/>
-              </p:cNvSpPr>
-              <p:nvPr>
-                <p:ph idx="1"/>
-              </p:nvPr>
-            </p:nvSpPr>
-            <p:spPr>
-              <a:blipFill rotWithShape="0">
-                <a:blip r:embed="rId2"/>
-                <a:stretch>
-                  <a:fillRect l="-1043" t="-1821" r="-58"/>
-                </a:stretch>
-              </a:blipFill>
-            </p:spPr>
-            <p:txBody>
-              <a:bodyPr/>
-              <a:lstStyle/>
-              <a:p>
-                <a:r>
-                  <a:rPr lang="ru-RU">
-                    <a:noFill/>
-                  </a:rPr>
-                  <a:t> </a:t>
-                </a:r>
-              </a:p>
-            </p:txBody>
-          </p:sp>
-        </mc:Fallback>
-      </mc:AlternateContent>
+      <p:sp>
+        <p:nvSpPr>
+          <p:cNvPr id="3" name="Объект 2"/>
+          <p:cNvSpPr>
+            <a:spLocks noGrp="1"/>
+          </p:cNvSpPr>
+          <p:nvPr>
+            <p:ph idx="1"/>
+          </p:nvPr>
+        </p:nvSpPr>
+        <p:spPr/>
+        <p:txBody>
+          <a:bodyPr/>
+          <a:lstStyle/>
+          <a:p>
+            <a:r>
+              <a:rPr lang="ru-RU" dirty="0" smtClean="0"/>
+              <a:t>Стандарт </a:t>
+            </a:r>
+            <a:r>
+              <a:rPr lang="en-US" dirty="0" smtClean="0"/>
+              <a:t>NIST</a:t>
+            </a:r>
+            <a:endParaRPr lang="ru-RU" dirty="0" smtClean="0"/>
+          </a:p>
+          <a:p>
+            <a:r>
+              <a:rPr lang="ru-RU" dirty="0" smtClean="0"/>
+              <a:t>Один из наиболее популярных алгоритмов вычисления </a:t>
+            </a:r>
+            <a:r>
+              <a:rPr lang="en-US" dirty="0" smtClean="0"/>
+              <a:t>MAC (</a:t>
+            </a:r>
+            <a:r>
+              <a:rPr lang="ru-RU" dirty="0" smtClean="0"/>
+              <a:t>самый популярных после </a:t>
+            </a:r>
+            <a:r>
+              <a:rPr lang="en-US" dirty="0" smtClean="0"/>
+              <a:t>HMAC)</a:t>
+            </a:r>
+            <a:endParaRPr lang="ru-RU" dirty="0" smtClean="0"/>
+          </a:p>
+          <a:p>
+            <a:r>
+              <a:rPr lang="ru-RU" dirty="0" smtClean="0"/>
+              <a:t>Использует три различных ключа (могут быть выработаны на основе одного ключа)</a:t>
+            </a:r>
+            <a:endParaRPr lang="en-US" dirty="0" smtClean="0"/>
+          </a:p>
+        </p:txBody>
+      </p:sp>
       <p:sp>
         <p:nvSpPr>
           <p:cNvPr id="4" name="Номер слайда 3"/>
@@ -7402,34 +7139,10 @@
           </a:p>
         </p:txBody>
       </p:sp>
-      <p:pic>
-        <p:nvPicPr>
-          <p:cNvPr id="5" name="Рисунок 4"/>
-          <p:cNvPicPr>
-            <a:picLocks noChangeAspect="1"/>
-          </p:cNvPicPr>
-          <p:nvPr/>
-        </p:nvPicPr>
-        <p:blipFill>
-          <a:blip r:embed="rId3"/>
-          <a:stretch>
-            <a:fillRect/>
-          </a:stretch>
-        </p:blipFill>
-        <p:spPr>
-          <a:xfrm>
-            <a:off x="1775444" y="4899032"/>
-            <a:ext cx="8021698" cy="1457318"/>
-          </a:xfrm>
-          <a:prstGeom prst="rect">
-            <a:avLst/>
-          </a:prstGeom>
-        </p:spPr>
-      </p:pic>
     </p:spTree>
     <p:extLst>
       <p:ext uri="{BB962C8B-B14F-4D97-AF65-F5344CB8AC3E}">
-        <p14:creationId xmlns:p14="http://schemas.microsoft.com/office/powerpoint/2010/main" val="2979709266"/>
+        <p14:creationId xmlns:p14="http://schemas.microsoft.com/office/powerpoint/2010/main" val="1629769234"/>
       </p:ext>
     </p:extLst>
   </p:cSld>
@@ -7479,7 +7192,7 @@
           <a:lstStyle/>
           <a:p>
             <a:r>
-              <a:rPr lang="en-US" dirty="0" smtClean="0"/>
+              <a:rPr lang="en-US" dirty="0"/>
               <a:t>CMAC</a:t>
             </a:r>
             <a:endParaRPr lang="ru-RU" dirty="0"/>
@@ -7501,41 +7214,7 @@
           <a:bodyPr/>
           <a:lstStyle/>
           <a:p>
-            <a:r>
-              <a:rPr lang="ru-RU" dirty="0" smtClean="0"/>
-              <a:t>Стандарт </a:t>
-            </a:r>
-            <a:r>
-              <a:rPr lang="en-US" dirty="0" smtClean="0"/>
-              <a:t>NIST</a:t>
-            </a:r>
-            <a:endParaRPr lang="ru-RU" dirty="0" smtClean="0"/>
-          </a:p>
-          <a:p>
-            <a:r>
-              <a:rPr lang="ru-RU" dirty="0" smtClean="0"/>
-              <a:t>Один из наиболее популярных алгоритмов вычисления </a:t>
-            </a:r>
-            <a:r>
-              <a:rPr lang="en-US" dirty="0" smtClean="0"/>
-              <a:t>MAC (</a:t>
-            </a:r>
-            <a:r>
-              <a:rPr lang="ru-RU" dirty="0" smtClean="0"/>
-              <a:t>самый популярных после </a:t>
-            </a:r>
-            <a:r>
-              <a:rPr lang="en-US" dirty="0" smtClean="0"/>
-              <a:t>HMAC)</a:t>
-            </a:r>
-            <a:endParaRPr lang="ru-RU" dirty="0" smtClean="0"/>
-          </a:p>
-          <a:p>
-            <a:r>
-              <a:rPr lang="ru-RU" dirty="0" smtClean="0"/>
-              <a:t>Использует три различных ключа (могут быть выработаны на основе одного ключа)</a:t>
-            </a:r>
-            <a:endParaRPr lang="en-US" dirty="0" smtClean="0"/>
+            <a:endParaRPr lang="ru-RU"/>
           </a:p>
         </p:txBody>
       </p:sp>
@@ -7562,10 +7241,34 @@
           </a:p>
         </p:txBody>
       </p:sp>
+      <p:pic>
+        <p:nvPicPr>
+          <p:cNvPr id="5" name="Рисунок 4"/>
+          <p:cNvPicPr>
+            <a:picLocks noChangeAspect="1"/>
+          </p:cNvPicPr>
+          <p:nvPr/>
+        </p:nvPicPr>
+        <p:blipFill>
+          <a:blip r:embed="rId2"/>
+          <a:stretch>
+            <a:fillRect/>
+          </a:stretch>
+        </p:blipFill>
+        <p:spPr>
+          <a:xfrm>
+            <a:off x="1359910" y="1976004"/>
+            <a:ext cx="9589139" cy="4153258"/>
+          </a:xfrm>
+          <a:prstGeom prst="rect">
+            <a:avLst/>
+          </a:prstGeom>
+        </p:spPr>
+      </p:pic>
     </p:spTree>
     <p:extLst>
       <p:ext uri="{BB962C8B-B14F-4D97-AF65-F5344CB8AC3E}">
-        <p14:creationId xmlns:p14="http://schemas.microsoft.com/office/powerpoint/2010/main" val="1629769234"/>
+        <p14:creationId xmlns:p14="http://schemas.microsoft.com/office/powerpoint/2010/main" val="1785455528"/>
       </p:ext>
     </p:extLst>
   </p:cSld>
@@ -8172,132 +7875,6 @@
           <a:lstStyle/>
           <a:p>
             <a:r>
-              <a:rPr lang="en-US" dirty="0"/>
-              <a:t>CMAC</a:t>
-            </a:r>
-            <a:endParaRPr lang="ru-RU" dirty="0"/>
-          </a:p>
-        </p:txBody>
-      </p:sp>
-      <p:sp>
-        <p:nvSpPr>
-          <p:cNvPr id="3" name="Объект 2"/>
-          <p:cNvSpPr>
-            <a:spLocks noGrp="1"/>
-          </p:cNvSpPr>
-          <p:nvPr>
-            <p:ph idx="1"/>
-          </p:nvPr>
-        </p:nvSpPr>
-        <p:spPr/>
-        <p:txBody>
-          <a:bodyPr/>
-          <a:lstStyle/>
-          <a:p>
-            <a:endParaRPr lang="ru-RU"/>
-          </a:p>
-        </p:txBody>
-      </p:sp>
-      <p:sp>
-        <p:nvSpPr>
-          <p:cNvPr id="4" name="Номер слайда 3"/>
-          <p:cNvSpPr>
-            <a:spLocks noGrp="1"/>
-          </p:cNvSpPr>
-          <p:nvPr>
-            <p:ph type="sldNum" sz="quarter" idx="12"/>
-          </p:nvPr>
-        </p:nvSpPr>
-        <p:spPr/>
-        <p:txBody>
-          <a:bodyPr/>
-          <a:lstStyle/>
-          <a:p>
-            <a:fld id="{8253DDDB-F8F7-4D64-A7FD-3F3D61C1949F}" type="slidenum">
-              <a:rPr lang="ru-RU" smtClean="0"/>
-              <a:t>20</a:t>
-            </a:fld>
-            <a:endParaRPr lang="ru-RU"/>
-          </a:p>
-        </p:txBody>
-      </p:sp>
-      <p:pic>
-        <p:nvPicPr>
-          <p:cNvPr id="5" name="Рисунок 4"/>
-          <p:cNvPicPr>
-            <a:picLocks noChangeAspect="1"/>
-          </p:cNvPicPr>
-          <p:nvPr/>
-        </p:nvPicPr>
-        <p:blipFill>
-          <a:blip r:embed="rId2"/>
-          <a:stretch>
-            <a:fillRect/>
-          </a:stretch>
-        </p:blipFill>
-        <p:spPr>
-          <a:xfrm>
-            <a:off x="1359910" y="1976004"/>
-            <a:ext cx="9589139" cy="4153258"/>
-          </a:xfrm>
-          <a:prstGeom prst="rect">
-            <a:avLst/>
-          </a:prstGeom>
-        </p:spPr>
-      </p:pic>
-    </p:spTree>
-    <p:extLst>
-      <p:ext uri="{BB962C8B-B14F-4D97-AF65-F5344CB8AC3E}">
-        <p14:creationId xmlns:p14="http://schemas.microsoft.com/office/powerpoint/2010/main" val="1785455528"/>
-      </p:ext>
-    </p:extLst>
-  </p:cSld>
-  <p:clrMapOvr>
-    <a:masterClrMapping/>
-  </p:clrMapOvr>
-  <p:timing>
-    <p:tnLst>
-      <p:par>
-        <p:cTn id="1" dur="indefinite" restart="never" nodeType="tmRoot"/>
-      </p:par>
-    </p:tnLst>
-  </p:timing>
-</p:sld>
-</file>
-
-<file path=ppt/slides/slide21.xml><?xml version="1.0" encoding="utf-8"?>
-<p:sld xmlns:a="http://schemas.openxmlformats.org/drawingml/2006/main" xmlns:r="http://schemas.openxmlformats.org/officeDocument/2006/relationships" xmlns:p="http://schemas.openxmlformats.org/presentationml/2006/main">
-  <p:cSld>
-    <p:spTree>
-      <p:nvGrpSpPr>
-        <p:cNvPr id="1" name=""/>
-        <p:cNvGrpSpPr/>
-        <p:nvPr/>
-      </p:nvGrpSpPr>
-      <p:grpSpPr>
-        <a:xfrm>
-          <a:off x="0" y="0"/>
-          <a:ext cx="0" cy="0"/>
-          <a:chOff x="0" y="0"/>
-          <a:chExt cx="0" cy="0"/>
-        </a:xfrm>
-      </p:grpSpPr>
-      <p:sp>
-        <p:nvSpPr>
-          <p:cNvPr id="2" name="Заголовок 1"/>
-          <p:cNvSpPr>
-            <a:spLocks noGrp="1"/>
-          </p:cNvSpPr>
-          <p:nvPr>
-            <p:ph type="title"/>
-          </p:nvPr>
-        </p:nvSpPr>
-        <p:spPr/>
-        <p:txBody>
-          <a:bodyPr/>
-          <a:lstStyle/>
-          <a:p>
-            <a:r>
               <a:rPr lang="en-US" dirty="0" smtClean="0"/>
               <a:t>OMAC</a:t>
             </a:r>
@@ -8455,7 +8032,7 @@
           <a:p>
             <a:fld id="{8253DDDB-F8F7-4D64-A7FD-3F3D61C1949F}" type="slidenum">
               <a:rPr lang="ru-RU" smtClean="0"/>
-              <a:t>21</a:t>
+              <a:t>20</a:t>
             </a:fld>
             <a:endParaRPr lang="ru-RU"/>
           </a:p>
@@ -8489,6 +8066,202 @@
     <p:extLst>
       <p:ext uri="{BB962C8B-B14F-4D97-AF65-F5344CB8AC3E}">
         <p14:creationId xmlns:p14="http://schemas.microsoft.com/office/powerpoint/2010/main" val="3809131394"/>
+      </p:ext>
+    </p:extLst>
+  </p:cSld>
+  <p:clrMapOvr>
+    <a:masterClrMapping/>
+  </p:clrMapOvr>
+  <p:timing>
+    <p:tnLst>
+      <p:par>
+        <p:cTn id="1" dur="indefinite" restart="never" nodeType="tmRoot"/>
+      </p:par>
+    </p:tnLst>
+  </p:timing>
+</p:sld>
+</file>
+
+<file path=ppt/slides/slide21.xml><?xml version="1.0" encoding="utf-8"?>
+<p:sld xmlns:a="http://schemas.openxmlformats.org/drawingml/2006/main" xmlns:r="http://schemas.openxmlformats.org/officeDocument/2006/relationships" xmlns:p="http://schemas.openxmlformats.org/presentationml/2006/main">
+  <p:cSld>
+    <p:spTree>
+      <p:nvGrpSpPr>
+        <p:cNvPr id="1" name=""/>
+        <p:cNvGrpSpPr/>
+        <p:nvPr/>
+      </p:nvGrpSpPr>
+      <p:grpSpPr>
+        <a:xfrm>
+          <a:off x="0" y="0"/>
+          <a:ext cx="0" cy="0"/>
+          <a:chOff x="0" y="0"/>
+          <a:chExt cx="0" cy="0"/>
+        </a:xfrm>
+      </p:grpSpPr>
+      <p:sp>
+        <p:nvSpPr>
+          <p:cNvPr id="2" name="Заголовок 1"/>
+          <p:cNvSpPr>
+            <a:spLocks noGrp="1"/>
+          </p:cNvSpPr>
+          <p:nvPr>
+            <p:ph type="title"/>
+          </p:nvPr>
+        </p:nvSpPr>
+        <p:spPr/>
+        <p:txBody>
+          <a:bodyPr/>
+          <a:lstStyle/>
+          <a:p>
+            <a:r>
+              <a:rPr lang="en-US" dirty="0" smtClean="0"/>
+              <a:t>OMAC</a:t>
+            </a:r>
+            <a:endParaRPr lang="ru-RU" dirty="0"/>
+          </a:p>
+        </p:txBody>
+      </p:sp>
+      <mc:AlternateContent xmlns:mc="http://schemas.openxmlformats.org/markup-compatibility/2006" xmlns:a14="http://schemas.microsoft.com/office/drawing/2010/main">
+        <mc:Choice Requires="a14">
+          <p:sp>
+            <p:nvSpPr>
+              <p:cNvPr id="3" name="Объект 2"/>
+              <p:cNvSpPr>
+                <a:spLocks noGrp="1"/>
+              </p:cNvSpPr>
+              <p:nvPr>
+                <p:ph idx="1"/>
+              </p:nvPr>
+            </p:nvSpPr>
+            <p:spPr/>
+            <p:txBody>
+              <a:bodyPr/>
+              <a:lstStyle/>
+              <a:p>
+                <a:r>
+                  <a:rPr lang="ru-RU" dirty="0" smtClean="0"/>
+                  <a:t>Фактически</a:t>
+                </a:r>
+                <a:r>
+                  <a:rPr lang="en-US" dirty="0" smtClean="0"/>
+                  <a:t> </a:t>
+                </a:r>
+                <a:r>
+                  <a:rPr lang="ru-RU" dirty="0" smtClean="0"/>
+                  <a:t>для получения трех ключей </a:t>
+                </a:r>
+                <a:r>
+                  <a:rPr lang="ru-RU" dirty="0"/>
+                  <a:t>реализуется умножение в кольце </a:t>
+                </a:r>
+                <a:r>
+                  <a:rPr lang="ru-RU" dirty="0" smtClean="0"/>
+                  <a:t>многочленов на некоторую константу </a:t>
+                </a:r>
+                <a14:m>
+                  <m:oMath xmlns:m="http://schemas.openxmlformats.org/officeDocument/2006/math">
+                    <m:r>
+                      <a:rPr lang="en-US" b="0" i="1" smtClean="0">
+                        <a:latin typeface="Cambria Math" panose="02040503050406030204" pitchFamily="18" charset="0"/>
+                      </a:rPr>
+                      <m:t>𝑢</m:t>
+                    </m:r>
+                  </m:oMath>
+                </a14:m>
+                <a:endParaRPr lang="ru-RU" dirty="0"/>
+              </a:p>
+              <a:p>
+                <a:endParaRPr lang="ru-RU" dirty="0"/>
+              </a:p>
+            </p:txBody>
+          </p:sp>
+        </mc:Choice>
+        <mc:Fallback xmlns="">
+          <p:sp>
+            <p:nvSpPr>
+              <p:cNvPr id="3" name="Объект 2"/>
+              <p:cNvSpPr>
+                <a:spLocks noGrp="1" noRot="1" noChangeAspect="1" noMove="1" noResize="1" noEditPoints="1" noAdjustHandles="1" noChangeArrowheads="1" noChangeShapeType="1" noTextEdit="1"/>
+              </p:cNvSpPr>
+              <p:nvPr>
+                <p:ph idx="1"/>
+              </p:nvPr>
+            </p:nvSpPr>
+            <p:spPr>
+              <a:blipFill rotWithShape="0">
+                <a:blip r:embed="rId2"/>
+                <a:stretch>
+                  <a:fillRect l="-928" t="-2101"/>
+                </a:stretch>
+              </a:blipFill>
+            </p:spPr>
+            <p:txBody>
+              <a:bodyPr/>
+              <a:lstStyle/>
+              <a:p>
+                <a:r>
+                  <a:rPr lang="ru-RU">
+                    <a:noFill/>
+                  </a:rPr>
+                  <a:t> </a:t>
+                </a:r>
+              </a:p>
+            </p:txBody>
+          </p:sp>
+        </mc:Fallback>
+      </mc:AlternateContent>
+      <p:sp>
+        <p:nvSpPr>
+          <p:cNvPr id="4" name="Номер слайда 3"/>
+          <p:cNvSpPr>
+            <a:spLocks noGrp="1"/>
+          </p:cNvSpPr>
+          <p:nvPr>
+            <p:ph type="sldNum" sz="quarter" idx="12"/>
+          </p:nvPr>
+        </p:nvSpPr>
+        <p:spPr/>
+        <p:txBody>
+          <a:bodyPr/>
+          <a:lstStyle/>
+          <a:p>
+            <a:fld id="{8253DDDB-F8F7-4D64-A7FD-3F3D61C1949F}" type="slidenum">
+              <a:rPr lang="ru-RU" smtClean="0"/>
+              <a:t>21</a:t>
+            </a:fld>
+            <a:endParaRPr lang="ru-RU"/>
+          </a:p>
+        </p:txBody>
+      </p:sp>
+      <p:pic>
+        <p:nvPicPr>
+          <p:cNvPr id="5" name="Рисунок 4"/>
+          <p:cNvPicPr>
+            <a:picLocks noChangeAspect="1"/>
+          </p:cNvPicPr>
+          <p:nvPr/>
+        </p:nvPicPr>
+        <p:blipFill>
+          <a:blip r:embed="rId3"/>
+          <a:stretch>
+            <a:fillRect/>
+          </a:stretch>
+        </p:blipFill>
+        <p:spPr>
+          <a:xfrm>
+            <a:off x="956954" y="3182144"/>
+            <a:ext cx="8567400" cy="2066750"/>
+          </a:xfrm>
+          <a:prstGeom prst="rect">
+            <a:avLst/>
+          </a:prstGeom>
+        </p:spPr>
+      </p:pic>
+    </p:spTree>
+    <p:extLst>
+      <p:ext uri="{BB962C8B-B14F-4D97-AF65-F5344CB8AC3E}">
+        <p14:creationId xmlns:p14="http://schemas.microsoft.com/office/powerpoint/2010/main" val="153150801"/>
       </p:ext>
     </p:extLst>
   </p:cSld>
@@ -8538,102 +8311,84 @@
           <a:lstStyle/>
           <a:p>
             <a:r>
+              <a:rPr lang="en-US" dirty="0" err="1" smtClean="0"/>
+              <a:t>Trunkated</a:t>
+            </a:r>
+            <a:r>
               <a:rPr lang="en-US" dirty="0" smtClean="0"/>
-              <a:t>OMAC</a:t>
+              <a:t> CBC MAC</a:t>
             </a:r>
             <a:endParaRPr lang="ru-RU" dirty="0"/>
           </a:p>
         </p:txBody>
       </p:sp>
-      <mc:AlternateContent xmlns:mc="http://schemas.openxmlformats.org/markup-compatibility/2006" xmlns:a14="http://schemas.microsoft.com/office/drawing/2010/main">
-        <mc:Choice Requires="a14">
-          <p:sp>
-            <p:nvSpPr>
-              <p:cNvPr id="3" name="Объект 2"/>
-              <p:cNvSpPr>
-                <a:spLocks noGrp="1"/>
-              </p:cNvSpPr>
-              <p:nvPr>
-                <p:ph idx="1"/>
-              </p:nvPr>
-            </p:nvSpPr>
-            <p:spPr/>
-            <p:txBody>
-              <a:bodyPr/>
-              <a:lstStyle/>
-              <a:p>
-                <a:r>
-                  <a:rPr lang="ru-RU" dirty="0" smtClean="0"/>
-                  <a:t>Фактически</a:t>
-                </a:r>
-                <a:r>
-                  <a:rPr lang="en-US" dirty="0" smtClean="0"/>
-                  <a:t> </a:t>
-                </a:r>
-                <a:r>
-                  <a:rPr lang="ru-RU" dirty="0" smtClean="0"/>
-                  <a:t>для получения трех ключей </a:t>
-                </a:r>
-                <a:r>
-                  <a:rPr lang="ru-RU" dirty="0"/>
-                  <a:t>реализуется умножение в кольце </a:t>
-                </a:r>
-                <a:r>
-                  <a:rPr lang="ru-RU" dirty="0" smtClean="0"/>
-                  <a:t>многочленов на некоторую константу </a:t>
-                </a:r>
-                <a14:m>
-                  <m:oMath xmlns:m="http://schemas.openxmlformats.org/officeDocument/2006/math">
-                    <m:r>
-                      <a:rPr lang="en-US" b="0" i="1" smtClean="0">
-                        <a:latin typeface="Cambria Math" panose="02040503050406030204" pitchFamily="18" charset="0"/>
-                      </a:rPr>
-                      <m:t>𝑢</m:t>
-                    </m:r>
-                  </m:oMath>
-                </a14:m>
-                <a:endParaRPr lang="ru-RU" dirty="0"/>
-              </a:p>
-              <a:p>
-                <a:endParaRPr lang="ru-RU" dirty="0"/>
-              </a:p>
-            </p:txBody>
-          </p:sp>
-        </mc:Choice>
-        <mc:Fallback xmlns="">
-          <p:sp>
-            <p:nvSpPr>
-              <p:cNvPr id="3" name="Объект 2"/>
-              <p:cNvSpPr>
-                <a:spLocks noGrp="1" noRot="1" noChangeAspect="1" noMove="1" noResize="1" noEditPoints="1" noAdjustHandles="1" noChangeArrowheads="1" noChangeShapeType="1" noTextEdit="1"/>
-              </p:cNvSpPr>
-              <p:nvPr>
-                <p:ph idx="1"/>
-              </p:nvPr>
-            </p:nvSpPr>
-            <p:spPr>
-              <a:blipFill rotWithShape="0">
-                <a:blip r:embed="rId2"/>
-                <a:stretch>
-                  <a:fillRect l="-928" t="-2101"/>
-                </a:stretch>
-              </a:blipFill>
-            </p:spPr>
-            <p:txBody>
-              <a:bodyPr/>
-              <a:lstStyle/>
-              <a:p>
-                <a:r>
-                  <a:rPr lang="ru-RU">
-                    <a:noFill/>
-                  </a:rPr>
-                  <a:t> </a:t>
-                </a:r>
-              </a:p>
-            </p:txBody>
-          </p:sp>
-        </mc:Fallback>
-      </mc:AlternateContent>
+      <p:sp>
+        <p:nvSpPr>
+          <p:cNvPr id="3" name="Объект 2"/>
+          <p:cNvSpPr>
+            <a:spLocks noGrp="1"/>
+          </p:cNvSpPr>
+          <p:nvPr>
+            <p:ph idx="1"/>
+          </p:nvPr>
+        </p:nvSpPr>
+        <p:spPr/>
+        <p:txBody>
+          <a:bodyPr/>
+          <a:lstStyle/>
+          <a:p>
+            <a:pPr marL="0" indent="0">
+              <a:buNone/>
+            </a:pPr>
+            <a:r>
+              <a:rPr lang="ru-RU" dirty="0" smtClean="0"/>
+              <a:t>Основная идея – не дать противнику возможность воспользоваться </a:t>
+            </a:r>
+            <a:r>
+              <a:rPr lang="en-US" dirty="0" smtClean="0"/>
+              <a:t>MAC </a:t>
+            </a:r>
+            <a:r>
+              <a:rPr lang="ru-RU" dirty="0" smtClean="0"/>
+              <a:t>для осуществления префиксной атаки.</a:t>
+            </a:r>
+            <a:endParaRPr lang="ru-RU" dirty="0"/>
+          </a:p>
+          <a:p>
+            <a:pPr marL="0" indent="0">
+              <a:buNone/>
+            </a:pPr>
+            <a:r>
+              <a:rPr lang="ru-RU" dirty="0" smtClean="0"/>
+              <a:t>Использование части кода аутентичности. Используется в ГОСТ 28147-98</a:t>
+            </a:r>
+          </a:p>
+          <a:p>
+            <a:pPr marL="0" indent="0">
+              <a:buNone/>
+            </a:pPr>
+            <a:r>
+              <a:rPr lang="ru-RU" dirty="0" smtClean="0"/>
+              <a:t>Оптимально использовать половину исходного </a:t>
+            </a:r>
+            <a:r>
+              <a:rPr lang="en-US" smtClean="0"/>
+              <a:t>MAC</a:t>
+            </a:r>
+            <a:endParaRPr lang="ru-RU" dirty="0" smtClean="0"/>
+          </a:p>
+          <a:p>
+            <a:pPr marL="0" indent="0">
+              <a:buNone/>
+            </a:pPr>
+            <a:r>
+              <a:rPr lang="ru-RU" dirty="0" smtClean="0"/>
+              <a:t>Основной недостаток – фактически понижаем параметр стойкости в 2 раза</a:t>
+            </a:r>
+            <a:endParaRPr lang="ru-RU" dirty="0"/>
+          </a:p>
+        </p:txBody>
+      </p:sp>
       <p:sp>
         <p:nvSpPr>
           <p:cNvPr id="4" name="Номер слайда 3"/>
@@ -8666,15 +8421,15 @@
           <p:nvPr/>
         </p:nvPicPr>
         <p:blipFill>
-          <a:blip r:embed="rId3"/>
+          <a:blip r:embed="rId2"/>
           <a:stretch>
             <a:fillRect/>
           </a:stretch>
         </p:blipFill>
         <p:spPr>
           <a:xfrm>
-            <a:off x="956954" y="3182144"/>
-            <a:ext cx="8567400" cy="2066750"/>
+            <a:off x="1418542" y="4425722"/>
+            <a:ext cx="9354915" cy="2432278"/>
           </a:xfrm>
           <a:prstGeom prst="rect">
             <a:avLst/>
@@ -8684,7 +8439,7 @@
     </p:spTree>
     <p:extLst>
       <p:ext uri="{BB962C8B-B14F-4D97-AF65-F5344CB8AC3E}">
-        <p14:creationId xmlns:p14="http://schemas.microsoft.com/office/powerpoint/2010/main" val="153150801"/>
+        <p14:creationId xmlns:p14="http://schemas.microsoft.com/office/powerpoint/2010/main" val="1103096359"/>
       </p:ext>
     </p:extLst>
   </p:cSld>
@@ -8734,84 +8489,39 @@
           <a:lstStyle/>
           <a:p>
             <a:r>
-              <a:rPr lang="en-US" dirty="0" err="1" smtClean="0"/>
-              <a:t>Trunkated</a:t>
-            </a:r>
-            <a:r>
-              <a:rPr lang="en-US" dirty="0" smtClean="0"/>
-              <a:t> CBC MAC</a:t>
+              <a:rPr lang="en-US" dirty="0"/>
+              <a:t>PMAC</a:t>
             </a:r>
             <a:endParaRPr lang="ru-RU" dirty="0"/>
           </a:p>
         </p:txBody>
       </p:sp>
-      <p:sp>
-        <p:nvSpPr>
-          <p:cNvPr id="3" name="Объект 2"/>
-          <p:cNvSpPr>
-            <a:spLocks noGrp="1"/>
-          </p:cNvSpPr>
+      <p:pic>
+        <p:nvPicPr>
+          <p:cNvPr id="5" name="Объект 4"/>
+          <p:cNvPicPr>
+            <a:picLocks noGrp="1" noChangeAspect="1"/>
+          </p:cNvPicPr>
           <p:nvPr>
             <p:ph idx="1"/>
           </p:nvPr>
-        </p:nvSpPr>
-        <p:spPr/>
-        <p:txBody>
-          <a:bodyPr/>
-          <a:lstStyle/>
-          <a:p>
-            <a:pPr marL="0" indent="0">
-              <a:buNone/>
-            </a:pPr>
-            <a:r>
-              <a:rPr lang="ru-RU" dirty="0" smtClean="0"/>
-              <a:t>Основная идея – не дать противнику возможность воспользоваться </a:t>
-            </a:r>
-            <a:r>
-              <a:rPr lang="en-US" dirty="0" smtClean="0"/>
-              <a:t>MAC </a:t>
-            </a:r>
-            <a:r>
-              <a:rPr lang="ru-RU" dirty="0" smtClean="0"/>
-              <a:t>для осуществления префиксной атаки.</a:t>
-            </a:r>
-            <a:endParaRPr lang="ru-RU" dirty="0"/>
-          </a:p>
-          <a:p>
-            <a:pPr marL="0" indent="0">
-              <a:buNone/>
-            </a:pPr>
-            <a:r>
-              <a:rPr lang="ru-RU" dirty="0" smtClean="0"/>
-              <a:t>Использование части кода аутентичности. Используется в ГОСТ 28147-98</a:t>
-            </a:r>
-          </a:p>
-          <a:p>
-            <a:pPr marL="0" indent="0">
-              <a:buNone/>
-            </a:pPr>
-            <a:r>
-              <a:rPr lang="ru-RU" dirty="0" smtClean="0"/>
-              <a:t>Оптимально использовать половину исходного </a:t>
-            </a:r>
-            <a:r>
-              <a:rPr lang="en-US" smtClean="0"/>
-              <a:t>MAC</a:t>
-            </a:r>
-            <a:endParaRPr lang="ru-RU" dirty="0" smtClean="0"/>
-          </a:p>
-          <a:p>
-            <a:pPr marL="0" indent="0">
-              <a:buNone/>
-            </a:pPr>
-            <a:r>
-              <a:rPr lang="ru-RU" dirty="0" smtClean="0"/>
-              <a:t>Основной недостаток – фактически понижаем параметр стойкости в 2 раза</a:t>
-            </a:r>
-            <a:endParaRPr lang="ru-RU" dirty="0"/>
-          </a:p>
-        </p:txBody>
-      </p:sp>
+        </p:nvPicPr>
+        <p:blipFill>
+          <a:blip r:embed="rId2"/>
+          <a:stretch>
+            <a:fillRect/>
+          </a:stretch>
+        </p:blipFill>
+        <p:spPr>
+          <a:xfrm>
+            <a:off x="4108862" y="374759"/>
+            <a:ext cx="6804561" cy="5981591"/>
+          </a:xfrm>
+          <a:prstGeom prst="rect">
+            <a:avLst/>
+          </a:prstGeom>
+        </p:spPr>
+      </p:pic>
       <p:sp>
         <p:nvSpPr>
           <p:cNvPr id="4" name="Номер слайда 3"/>
@@ -8835,34 +8545,10 @@
           </a:p>
         </p:txBody>
       </p:sp>
-      <p:pic>
-        <p:nvPicPr>
-          <p:cNvPr id="5" name="Рисунок 4"/>
-          <p:cNvPicPr>
-            <a:picLocks noChangeAspect="1"/>
-          </p:cNvPicPr>
-          <p:nvPr/>
-        </p:nvPicPr>
-        <p:blipFill>
-          <a:blip r:embed="rId2"/>
-          <a:stretch>
-            <a:fillRect/>
-          </a:stretch>
-        </p:blipFill>
-        <p:spPr>
-          <a:xfrm>
-            <a:off x="1418542" y="4425722"/>
-            <a:ext cx="9354915" cy="2432278"/>
-          </a:xfrm>
-          <a:prstGeom prst="rect">
-            <a:avLst/>
-          </a:prstGeom>
-        </p:spPr>
-      </p:pic>
     </p:spTree>
     <p:extLst>
       <p:ext uri="{BB962C8B-B14F-4D97-AF65-F5344CB8AC3E}">
-        <p14:creationId xmlns:p14="http://schemas.microsoft.com/office/powerpoint/2010/main" val="1103096359"/>
+        <p14:creationId xmlns:p14="http://schemas.microsoft.com/office/powerpoint/2010/main" val="1781420578"/>
       </p:ext>
     </p:extLst>
   </p:cSld>
@@ -8913,115 +8599,6 @@
           <a:p>
             <a:r>
               <a:rPr lang="en-US" dirty="0"/>
-              <a:t>PMAC</a:t>
-            </a:r>
-            <a:endParaRPr lang="ru-RU" dirty="0"/>
-          </a:p>
-        </p:txBody>
-      </p:sp>
-      <p:pic>
-        <p:nvPicPr>
-          <p:cNvPr id="5" name="Объект 4"/>
-          <p:cNvPicPr>
-            <a:picLocks noGrp="1" noChangeAspect="1"/>
-          </p:cNvPicPr>
-          <p:nvPr>
-            <p:ph idx="1"/>
-          </p:nvPr>
-        </p:nvPicPr>
-        <p:blipFill>
-          <a:blip r:embed="rId2"/>
-          <a:stretch>
-            <a:fillRect/>
-          </a:stretch>
-        </p:blipFill>
-        <p:spPr>
-          <a:xfrm>
-            <a:off x="4108862" y="374759"/>
-            <a:ext cx="6804561" cy="5981591"/>
-          </a:xfrm>
-          <a:prstGeom prst="rect">
-            <a:avLst/>
-          </a:prstGeom>
-        </p:spPr>
-      </p:pic>
-      <p:sp>
-        <p:nvSpPr>
-          <p:cNvPr id="4" name="Номер слайда 3"/>
-          <p:cNvSpPr>
-            <a:spLocks noGrp="1"/>
-          </p:cNvSpPr>
-          <p:nvPr>
-            <p:ph type="sldNum" sz="quarter" idx="12"/>
-          </p:nvPr>
-        </p:nvSpPr>
-        <p:spPr/>
-        <p:txBody>
-          <a:bodyPr/>
-          <a:lstStyle/>
-          <a:p>
-            <a:fld id="{8253DDDB-F8F7-4D64-A7FD-3F3D61C1949F}" type="slidenum">
-              <a:rPr lang="ru-RU" smtClean="0"/>
-              <a:t>24</a:t>
-            </a:fld>
-            <a:endParaRPr lang="ru-RU"/>
-          </a:p>
-        </p:txBody>
-      </p:sp>
-    </p:spTree>
-    <p:extLst>
-      <p:ext uri="{BB962C8B-B14F-4D97-AF65-F5344CB8AC3E}">
-        <p14:creationId xmlns:p14="http://schemas.microsoft.com/office/powerpoint/2010/main" val="1781420578"/>
-      </p:ext>
-    </p:extLst>
-  </p:cSld>
-  <p:clrMapOvr>
-    <a:masterClrMapping/>
-  </p:clrMapOvr>
-  <p:timing>
-    <p:tnLst>
-      <p:par>
-        <p:cTn id="1" dur="indefinite" restart="never" nodeType="tmRoot"/>
-      </p:par>
-    </p:tnLst>
-  </p:timing>
-</p:sld>
-</file>
-
-<file path=ppt/slides/slide25.xml><?xml version="1.0" encoding="utf-8"?>
-<p:sld xmlns:a="http://schemas.openxmlformats.org/drawingml/2006/main" xmlns:r="http://schemas.openxmlformats.org/officeDocument/2006/relationships" xmlns:p="http://schemas.openxmlformats.org/presentationml/2006/main">
-  <p:cSld>
-    <p:spTree>
-      <p:nvGrpSpPr>
-        <p:cNvPr id="1" name=""/>
-        <p:cNvGrpSpPr/>
-        <p:nvPr/>
-      </p:nvGrpSpPr>
-      <p:grpSpPr>
-        <a:xfrm>
-          <a:off x="0" y="0"/>
-          <a:ext cx="0" cy="0"/>
-          <a:chOff x="0" y="0"/>
-          <a:chExt cx="0" cy="0"/>
-        </a:xfrm>
-      </p:grpSpPr>
-      <p:sp>
-        <p:nvSpPr>
-          <p:cNvPr id="2" name="Заголовок 1"/>
-          <p:cNvSpPr>
-            <a:spLocks noGrp="1"/>
-          </p:cNvSpPr>
-          <p:nvPr>
-            <p:ph type="title"/>
-          </p:nvPr>
-        </p:nvSpPr>
-        <p:spPr/>
-        <p:txBody>
-          <a:bodyPr/>
-          <a:lstStyle/>
-          <a:p>
-            <a:r>
-              <a:rPr lang="en-US" dirty="0"/>
               <a:t>NMAC</a:t>
             </a:r>
             <a:endParaRPr lang="ru-RU" dirty="0"/>
@@ -9139,7 +8716,7 @@
           <a:p>
             <a:fld id="{8253DDDB-F8F7-4D64-A7FD-3F3D61C1949F}" type="slidenum">
               <a:rPr lang="ru-RU" smtClean="0"/>
-              <a:t>25</a:t>
+              <a:t>24</a:t>
             </a:fld>
             <a:endParaRPr lang="ru-RU"/>
           </a:p>
@@ -9189,7 +8766,7 @@
 </p:sld>
 </file>
 
-<file path=ppt/slides/slide26.xml><?xml version="1.0" encoding="utf-8"?>
+<file path=ppt/slides/slide25.xml><?xml version="1.0" encoding="utf-8"?>
 <p:sld xmlns:a="http://schemas.openxmlformats.org/drawingml/2006/main" xmlns:r="http://schemas.openxmlformats.org/officeDocument/2006/relationships" xmlns:p="http://schemas.openxmlformats.org/presentationml/2006/main">
   <p:cSld>
     <p:spTree>
@@ -9473,7 +9050,7 @@
           <a:p>
             <a:fld id="{8253DDDB-F8F7-4D64-A7FD-3F3D61C1949F}" type="slidenum">
               <a:rPr lang="ru-RU" smtClean="0"/>
-              <a:t>26</a:t>
+              <a:t>25</a:t>
             </a:fld>
             <a:endParaRPr lang="ru-RU"/>
           </a:p>
@@ -9523,7 +9100,7 @@
 </p:sld>
 </file>
 
-<file path=ppt/slides/slide27.xml><?xml version="1.0" encoding="utf-8"?>
+<file path=ppt/slides/slide26.xml><?xml version="1.0" encoding="utf-8"?>
 <p:sld xmlns:a="http://schemas.openxmlformats.org/drawingml/2006/main" xmlns:r="http://schemas.openxmlformats.org/officeDocument/2006/relationships" xmlns:p="http://schemas.openxmlformats.org/presentationml/2006/main">
   <p:cSld>
     <p:spTree>
@@ -9563,8 +9140,8 @@
           </a:p>
         </p:txBody>
       </p:sp>
-      <mc:AlternateContent xmlns:mc="http://schemas.openxmlformats.org/markup-compatibility/2006">
-        <mc:Choice xmlns:a14="http://schemas.microsoft.com/office/drawing/2010/main" Requires="a14">
+      <mc:AlternateContent xmlns:mc="http://schemas.openxmlformats.org/markup-compatibility/2006" xmlns:a14="http://schemas.microsoft.com/office/drawing/2010/main">
+        <mc:Choice Requires="a14">
           <p:sp>
             <p:nvSpPr>
               <p:cNvPr id="3" name="Объект 2"/>
@@ -10162,7 +9739,7 @@
             </p:txBody>
           </p:sp>
         </mc:Choice>
-        <mc:Fallback>
+        <mc:Fallback xmlns="">
           <p:sp>
             <p:nvSpPr>
               <p:cNvPr id="3" name="Объект 2"/>
@@ -10213,7 +9790,7 @@
           <a:p>
             <a:fld id="{8253DDDB-F8F7-4D64-A7FD-3F3D61C1949F}" type="slidenum">
               <a:rPr lang="ru-RU" smtClean="0"/>
-              <a:t>27</a:t>
+              <a:t>26</a:t>
             </a:fld>
             <a:endParaRPr lang="ru-RU"/>
           </a:p>
@@ -10239,7 +9816,7 @@
 </p:sld>
 </file>
 
-<file path=ppt/slides/slide28.xml><?xml version="1.0" encoding="utf-8"?>
+<file path=ppt/slides/slide27.xml><?xml version="1.0" encoding="utf-8"?>
 <p:sld xmlns:a="http://schemas.openxmlformats.org/drawingml/2006/main" xmlns:r="http://schemas.openxmlformats.org/officeDocument/2006/relationships" xmlns:p="http://schemas.openxmlformats.org/presentationml/2006/main">
   <p:cSld>
     <p:spTree>
@@ -10372,7 +9949,7 @@
           <a:p>
             <a:fld id="{8253DDDB-F8F7-4D64-A7FD-3F3D61C1949F}" type="slidenum">
               <a:rPr lang="ru-RU" smtClean="0"/>
-              <a:t>28</a:t>
+              <a:t>27</a:t>
             </a:fld>
             <a:endParaRPr lang="ru-RU"/>
           </a:p>

--- a/Lectures/MACsLite.pptx
+++ b/Lectures/MACsLite.pptx
@@ -5,7 +5,7 @@
     <p:sldMasterId id="2147483648" r:id="rId1"/>
   </p:sldMasterIdLst>
   <p:notesMasterIdLst>
-    <p:notesMasterId r:id="rId29"/>
+    <p:notesMasterId r:id="rId30"/>
   </p:notesMasterIdLst>
   <p:sldIdLst>
     <p:sldId id="256" r:id="rId2"/>
@@ -17,24 +17,25 @@
     <p:sldId id="262" r:id="rId8"/>
     <p:sldId id="263" r:id="rId9"/>
     <p:sldId id="264" r:id="rId10"/>
-    <p:sldId id="265" r:id="rId11"/>
-    <p:sldId id="266" r:id="rId12"/>
-    <p:sldId id="267" r:id="rId13"/>
-    <p:sldId id="268" r:id="rId14"/>
-    <p:sldId id="269" r:id="rId15"/>
-    <p:sldId id="270" r:id="rId16"/>
-    <p:sldId id="271" r:id="rId17"/>
-    <p:sldId id="272" r:id="rId18"/>
-    <p:sldId id="274" r:id="rId19"/>
-    <p:sldId id="275" r:id="rId20"/>
-    <p:sldId id="276" r:id="rId21"/>
-    <p:sldId id="277" r:id="rId22"/>
-    <p:sldId id="278" r:id="rId23"/>
-    <p:sldId id="279" r:id="rId24"/>
-    <p:sldId id="280" r:id="rId25"/>
-    <p:sldId id="281" r:id="rId26"/>
-    <p:sldId id="282" r:id="rId27"/>
-    <p:sldId id="283" r:id="rId28"/>
+    <p:sldId id="284" r:id="rId11"/>
+    <p:sldId id="265" r:id="rId12"/>
+    <p:sldId id="266" r:id="rId13"/>
+    <p:sldId id="267" r:id="rId14"/>
+    <p:sldId id="268" r:id="rId15"/>
+    <p:sldId id="269" r:id="rId16"/>
+    <p:sldId id="270" r:id="rId17"/>
+    <p:sldId id="271" r:id="rId18"/>
+    <p:sldId id="272" r:id="rId19"/>
+    <p:sldId id="274" r:id="rId20"/>
+    <p:sldId id="275" r:id="rId21"/>
+    <p:sldId id="276" r:id="rId22"/>
+    <p:sldId id="277" r:id="rId23"/>
+    <p:sldId id="278" r:id="rId24"/>
+    <p:sldId id="279" r:id="rId25"/>
+    <p:sldId id="280" r:id="rId26"/>
+    <p:sldId id="281" r:id="rId27"/>
+    <p:sldId id="282" r:id="rId28"/>
+    <p:sldId id="283" r:id="rId29"/>
   </p:sldIdLst>
   <p:sldSz cx="12192000" cy="6858000"/>
   <p:notesSz cx="6858000" cy="9144000"/>
@@ -226,7 +227,7 @@
           <a:p>
             <a:fld id="{CBA08D16-15DC-4E25-BDC3-F25146157B16}" type="datetimeFigureOut">
               <a:rPr lang="ru-RU" smtClean="0"/>
-              <a:t>09.03.2023</a:t>
+              <a:t>07.03.2024</a:t>
             </a:fld>
             <a:endParaRPr lang="ru-RU"/>
           </a:p>
@@ -625,7 +626,7 @@
           <a:p>
             <a:fld id="{FCEC8293-DB51-454A-BE81-EC8FCB31EBA2}" type="datetime1">
               <a:rPr lang="ru-RU" smtClean="0"/>
-              <a:t>09.03.2023</a:t>
+              <a:t>07.03.2024</a:t>
             </a:fld>
             <a:endParaRPr lang="ru-RU"/>
           </a:p>
@@ -799,7 +800,7 @@
           <a:p>
             <a:fld id="{241C87B1-1C35-4DBD-BC18-2BC72E776603}" type="datetime1">
               <a:rPr lang="ru-RU" smtClean="0"/>
-              <a:t>09.03.2023</a:t>
+              <a:t>07.03.2024</a:t>
             </a:fld>
             <a:endParaRPr lang="ru-RU"/>
           </a:p>
@@ -983,7 +984,7 @@
           <a:p>
             <a:fld id="{3134C275-26C0-42CD-9111-9ADE65922AF9}" type="datetime1">
               <a:rPr lang="ru-RU" smtClean="0"/>
-              <a:t>09.03.2023</a:t>
+              <a:t>07.03.2024</a:t>
             </a:fld>
             <a:endParaRPr lang="ru-RU"/>
           </a:p>
@@ -1157,7 +1158,7 @@
           <a:p>
             <a:fld id="{C1A9A50B-C350-45F5-8AAB-ADB9E670AF2E}" type="datetime1">
               <a:rPr lang="ru-RU" smtClean="0"/>
-              <a:t>09.03.2023</a:t>
+              <a:t>07.03.2024</a:t>
             </a:fld>
             <a:endParaRPr lang="ru-RU"/>
           </a:p>
@@ -1407,7 +1408,7 @@
           <a:p>
             <a:fld id="{089688C9-348F-42F9-B6C0-5990DDE0C5B2}" type="datetime1">
               <a:rPr lang="ru-RU" smtClean="0"/>
-              <a:t>09.03.2023</a:t>
+              <a:t>07.03.2024</a:t>
             </a:fld>
             <a:endParaRPr lang="ru-RU"/>
           </a:p>
@@ -1643,7 +1644,7 @@
           <a:p>
             <a:fld id="{684AFD8F-6DD9-4AD3-A505-FDC3F5C5F3F6}" type="datetime1">
               <a:rPr lang="ru-RU" smtClean="0"/>
-              <a:t>09.03.2023</a:t>
+              <a:t>07.03.2024</a:t>
             </a:fld>
             <a:endParaRPr lang="ru-RU"/>
           </a:p>
@@ -2014,7 +2015,7 @@
           <a:p>
             <a:fld id="{63551EFE-4D02-45EB-A747-8B6F047B5AA0}" type="datetime1">
               <a:rPr lang="ru-RU" smtClean="0"/>
-              <a:t>09.03.2023</a:t>
+              <a:t>07.03.2024</a:t>
             </a:fld>
             <a:endParaRPr lang="ru-RU"/>
           </a:p>
@@ -2136,7 +2137,7 @@
           <a:p>
             <a:fld id="{813A9F34-E5CD-4B8F-AA9E-889C84372B20}" type="datetime1">
               <a:rPr lang="ru-RU" smtClean="0"/>
-              <a:t>09.03.2023</a:t>
+              <a:t>07.03.2024</a:t>
             </a:fld>
             <a:endParaRPr lang="ru-RU"/>
           </a:p>
@@ -2235,7 +2236,7 @@
           <a:p>
             <a:fld id="{51224D22-9B29-44A6-8E82-95FC492DEDC1}" type="datetime1">
               <a:rPr lang="ru-RU" smtClean="0"/>
-              <a:t>09.03.2023</a:t>
+              <a:t>07.03.2024</a:t>
             </a:fld>
             <a:endParaRPr lang="ru-RU"/>
           </a:p>
@@ -2516,7 +2517,7 @@
           <a:p>
             <a:fld id="{91D1034F-4441-48A1-BDC0-25EA1022324A}" type="datetime1">
               <a:rPr lang="ru-RU" smtClean="0"/>
-              <a:t>09.03.2023</a:t>
+              <a:t>07.03.2024</a:t>
             </a:fld>
             <a:endParaRPr lang="ru-RU"/>
           </a:p>
@@ -2773,7 +2774,7 @@
           <a:p>
             <a:fld id="{B0FFDE79-B627-473B-AE17-4C65BD2495F7}" type="datetime1">
               <a:rPr lang="ru-RU" smtClean="0"/>
-              <a:t>09.03.2023</a:t>
+              <a:t>07.03.2024</a:t>
             </a:fld>
             <a:endParaRPr lang="ru-RU"/>
           </a:p>
@@ -2990,7 +2991,7 @@
           <a:p>
             <a:fld id="{11CA537A-1B8C-47BA-9BA6-7CE3FAFDA8BE}" type="datetime1">
               <a:rPr lang="ru-RU" smtClean="0"/>
-              <a:t>09.03.2023</a:t>
+              <a:t>07.03.2024</a:t>
             </a:fld>
             <a:endParaRPr lang="ru-RU"/>
           </a:p>
@@ -3453,11 +3454,7 @@
           <a:p>
             <a:r>
               <a:rPr lang="ru-RU" dirty="0" smtClean="0"/>
-              <a:t>МИФИ </a:t>
-            </a:r>
-            <a:r>
-              <a:rPr lang="ru-RU" dirty="0" smtClean="0"/>
-              <a:t>202</a:t>
+              <a:t>МИФИ 202</a:t>
             </a:r>
             <a:r>
               <a:rPr lang="en-US" dirty="0" smtClean="0"/>
@@ -3520,6 +3517,941 @@
           <a:lstStyle/>
           <a:p>
             <a:r>
+              <a:rPr lang="en-US" dirty="0" smtClean="0"/>
+              <a:t>PRF</a:t>
+            </a:r>
+            <a:endParaRPr lang="ru-RU" dirty="0"/>
+          </a:p>
+        </p:txBody>
+      </p:sp>
+      <p:sp>
+        <p:nvSpPr>
+          <p:cNvPr id="4" name="Номер слайда 3"/>
+          <p:cNvSpPr>
+            <a:spLocks noGrp="1"/>
+          </p:cNvSpPr>
+          <p:nvPr>
+            <p:ph type="sldNum" sz="quarter" idx="12"/>
+          </p:nvPr>
+        </p:nvSpPr>
+        <p:spPr/>
+        <p:txBody>
+          <a:bodyPr/>
+          <a:lstStyle/>
+          <a:p>
+            <a:fld id="{8253DDDB-F8F7-4D64-A7FD-3F3D61C1949F}" type="slidenum">
+              <a:rPr lang="ru-RU" smtClean="0"/>
+              <a:t>10</a:t>
+            </a:fld>
+            <a:endParaRPr lang="ru-RU"/>
+          </a:p>
+        </p:txBody>
+      </p:sp>
+      <mc:AlternateContent xmlns:mc="http://schemas.openxmlformats.org/markup-compatibility/2006">
+        <mc:Choice xmlns:a14="http://schemas.microsoft.com/office/drawing/2010/main" Requires="a14">
+          <p:sp>
+            <p:nvSpPr>
+              <p:cNvPr id="5" name="Rectangle 3"/>
+              <p:cNvSpPr>
+                <a:spLocks noGrp="1" noChangeArrowheads="1"/>
+              </p:cNvSpPr>
+              <p:nvPr>
+                <p:ph idx="1"/>
+              </p:nvPr>
+            </p:nvSpPr>
+            <p:spPr>
+              <a:xfrm>
+                <a:off x="838200" y="1473958"/>
+                <a:ext cx="11008056" cy="4882391"/>
+              </a:xfrm>
+            </p:spPr>
+            <p:txBody>
+              <a:bodyPr>
+                <a:normAutofit lnSpcReduction="10000"/>
+              </a:bodyPr>
+              <a:lstStyle/>
+              <a:p>
+                <a:pPr marL="0" indent="0">
+                  <a:lnSpc>
+                    <a:spcPct val="120000"/>
+                  </a:lnSpc>
+                  <a:buNone/>
+                </a:pPr>
+                <a:r>
+                  <a:rPr lang="ru-RU" dirty="0" smtClean="0">
+                    <a:sym typeface="Symbol" pitchFamily="18" charset="2"/>
+                  </a:rPr>
+                  <a:t>Пусть функция </a:t>
+                </a:r>
+                <a14:m>
+                  <m:oMath xmlns:m="http://schemas.openxmlformats.org/officeDocument/2006/math">
+                    <m:r>
+                      <a:rPr lang="en-US" b="0" i="1" smtClean="0">
+                        <a:latin typeface="Cambria Math" panose="02040503050406030204" pitchFamily="18" charset="0"/>
+                        <a:sym typeface="Symbol" pitchFamily="18" charset="2"/>
+                      </a:rPr>
+                      <m:t>𝐹</m:t>
+                    </m:r>
+                    <m:r>
+                      <a:rPr lang="en-US" b="0" i="0" smtClean="0">
+                        <a:latin typeface="Cambria Math" panose="02040503050406030204" pitchFamily="18" charset="0"/>
+                        <a:sym typeface="Symbol" pitchFamily="18" charset="2"/>
+                      </a:rPr>
+                      <m:t>:</m:t>
+                    </m:r>
+                    <m:r>
+                      <a:rPr lang="en-US" b="0" i="1" smtClean="0">
+                        <a:latin typeface="Cambria Math" panose="02040503050406030204" pitchFamily="18" charset="0"/>
+                        <a:sym typeface="Symbol" pitchFamily="18" charset="2"/>
+                      </a:rPr>
+                      <m:t>𝐾</m:t>
+                    </m:r>
+                    <m:r>
+                      <a:rPr lang="en-US" b="0" i="1" smtClean="0">
+                        <a:latin typeface="Cambria Math" panose="02040503050406030204" pitchFamily="18" charset="0"/>
+                        <a:sym typeface="Symbol" pitchFamily="18" charset="2"/>
+                      </a:rPr>
+                      <m:t>×</m:t>
+                    </m:r>
+                    <m:r>
+                      <a:rPr lang="en-US" b="0" i="1" smtClean="0">
+                        <a:latin typeface="Cambria Math" panose="02040503050406030204" pitchFamily="18" charset="0"/>
+                        <a:sym typeface="Symbol" pitchFamily="18" charset="2"/>
+                      </a:rPr>
+                      <m:t>𝑋</m:t>
+                    </m:r>
+                    <m:r>
+                      <a:rPr lang="en-US" b="0" i="1" smtClean="0">
+                        <a:latin typeface="Cambria Math" panose="02040503050406030204" pitchFamily="18" charset="0"/>
+                        <a:sym typeface="Symbol" pitchFamily="18" charset="2"/>
+                      </a:rPr>
+                      <m:t>→</m:t>
+                    </m:r>
+                    <m:r>
+                      <a:rPr lang="en-US" b="0" i="1" smtClean="0">
+                        <a:latin typeface="Cambria Math" panose="02040503050406030204" pitchFamily="18" charset="0"/>
+                        <a:sym typeface="Symbol" pitchFamily="18" charset="2"/>
+                      </a:rPr>
+                      <m:t>𝑌</m:t>
+                    </m:r>
+                  </m:oMath>
+                </a14:m>
+                <a:r>
+                  <a:rPr lang="en-US" dirty="0" smtClean="0">
+                    <a:sym typeface="Symbol" pitchFamily="18" charset="2"/>
+                  </a:rPr>
+                  <a:t> </a:t>
+                </a:r>
+                <a:r>
+                  <a:rPr lang="ru-RU" dirty="0" smtClean="0">
+                    <a:sym typeface="Symbol" pitchFamily="18" charset="2"/>
+                  </a:rPr>
+                  <a:t>определена на </a:t>
+                </a:r>
+                <a14:m>
+                  <m:oMath xmlns:m="http://schemas.openxmlformats.org/officeDocument/2006/math">
+                    <m:r>
+                      <a:rPr lang="ru-RU" i="1">
+                        <a:latin typeface="Cambria Math" panose="02040503050406030204" pitchFamily="18" charset="0"/>
+                        <a:sym typeface="Symbol" pitchFamily="18" charset="2"/>
+                      </a:rPr>
+                      <m:t>(</m:t>
+                    </m:r>
+                    <m:r>
+                      <a:rPr lang="en-US" i="1">
+                        <a:latin typeface="Cambria Math" panose="02040503050406030204" pitchFamily="18" charset="0"/>
+                        <a:sym typeface="Symbol" pitchFamily="18" charset="2"/>
+                      </a:rPr>
+                      <m:t>𝐾</m:t>
+                    </m:r>
+                    <m:r>
+                      <a:rPr lang="en-US" i="1">
+                        <a:latin typeface="Cambria Math" panose="02040503050406030204" pitchFamily="18" charset="0"/>
+                        <a:sym typeface="Symbol" pitchFamily="18" charset="2"/>
+                      </a:rPr>
+                      <m:t>,</m:t>
+                    </m:r>
+                    <m:r>
+                      <a:rPr lang="en-US" b="0" i="1" smtClean="0">
+                        <a:latin typeface="Cambria Math" panose="02040503050406030204" pitchFamily="18" charset="0"/>
+                        <a:sym typeface="Symbol" pitchFamily="18" charset="2"/>
+                      </a:rPr>
+                      <m:t>𝑋</m:t>
+                    </m:r>
+                    <m:r>
+                      <a:rPr lang="en-US" b="0" i="1" smtClean="0">
+                        <a:latin typeface="Cambria Math" panose="02040503050406030204" pitchFamily="18" charset="0"/>
+                        <a:sym typeface="Symbol" pitchFamily="18" charset="2"/>
+                      </a:rPr>
+                      <m:t>,</m:t>
+                    </m:r>
+                    <m:r>
+                      <a:rPr lang="en-US" b="0" i="1" smtClean="0">
+                        <a:latin typeface="Cambria Math" panose="02040503050406030204" pitchFamily="18" charset="0"/>
+                        <a:sym typeface="Symbol" pitchFamily="18" charset="2"/>
+                      </a:rPr>
+                      <m:t>𝑌</m:t>
+                    </m:r>
+                    <m:r>
+                      <a:rPr lang="en-US" i="1">
+                        <a:latin typeface="Cambria Math" panose="02040503050406030204" pitchFamily="18" charset="0"/>
+                        <a:sym typeface="Symbol" pitchFamily="18" charset="2"/>
+                      </a:rPr>
+                      <m:t>)</m:t>
+                    </m:r>
+                  </m:oMath>
+                </a14:m>
+                <a:r>
+                  <a:rPr lang="ru-RU" dirty="0">
+                    <a:sym typeface="Symbol" pitchFamily="18" charset="2"/>
+                  </a:rPr>
+                  <a:t>. </a:t>
+                </a:r>
+                <a:endParaRPr lang="en-US" dirty="0" smtClean="0">
+                  <a:sym typeface="Symbol" pitchFamily="18" charset="2"/>
+                </a:endParaRPr>
+              </a:p>
+              <a:p>
+                <a:pPr marL="0" indent="0">
+                  <a:lnSpc>
+                    <a:spcPct val="120000"/>
+                  </a:lnSpc>
+                  <a:buNone/>
+                </a:pPr>
+                <a:r>
+                  <a:rPr lang="ru-RU" dirty="0" smtClean="0">
+                    <a:sym typeface="Symbol" pitchFamily="18" charset="2"/>
+                  </a:rPr>
+                  <a:t>Тогда </a:t>
+                </a:r>
+                <a14:m>
+                  <m:oMath xmlns:m="http://schemas.openxmlformats.org/officeDocument/2006/math">
+                    <m:r>
+                      <a:rPr lang="en-US" b="0" i="1" smtClean="0">
+                        <a:latin typeface="Cambria Math" panose="02040503050406030204" pitchFamily="18" charset="0"/>
+                        <a:sym typeface="Symbol" pitchFamily="18" charset="2"/>
+                      </a:rPr>
+                      <m:t>𝐹</m:t>
+                    </m:r>
+                  </m:oMath>
+                </a14:m>
+                <a:r>
+                  <a:rPr lang="ru-RU" dirty="0" smtClean="0">
+                    <a:sym typeface="Symbol" pitchFamily="18" charset="2"/>
+                  </a:rPr>
+                  <a:t> </a:t>
+                </a:r>
+                <a:r>
+                  <a:rPr lang="ru-RU" dirty="0" smtClean="0">
+                    <a:sym typeface="Symbol" pitchFamily="18" charset="2"/>
+                  </a:rPr>
+                  <a:t>– </a:t>
+                </a:r>
+                <a:r>
+                  <a:rPr lang="ru-RU" b="1" dirty="0" smtClean="0">
+                    <a:sym typeface="Symbol" pitchFamily="18" charset="2"/>
+                  </a:rPr>
+                  <a:t>псевдослучайная </a:t>
+                </a:r>
+                <a:r>
+                  <a:rPr lang="ru-RU" b="1" dirty="0" smtClean="0">
+                    <a:sym typeface="Symbol" pitchFamily="18" charset="2"/>
+                  </a:rPr>
+                  <a:t>функция</a:t>
+                </a:r>
+                <a:r>
+                  <a:rPr lang="ru-RU" b="1" dirty="0" smtClean="0">
+                    <a:sym typeface="Symbol" pitchFamily="18" charset="2"/>
+                  </a:rPr>
+                  <a:t> </a:t>
+                </a:r>
+                <a:r>
+                  <a:rPr lang="ru-RU" b="1" dirty="0" smtClean="0">
+                    <a:sym typeface="Symbol" pitchFamily="18" charset="2"/>
+                  </a:rPr>
+                  <a:t>(</a:t>
+                </a:r>
+                <a:r>
+                  <a:rPr lang="en-US" b="1" dirty="0" smtClean="0">
+                    <a:sym typeface="Symbol" pitchFamily="18" charset="2"/>
+                  </a:rPr>
+                  <a:t>PR</a:t>
+                </a:r>
+                <a:r>
+                  <a:rPr lang="en-US" b="1" dirty="0">
+                    <a:sym typeface="Symbol" pitchFamily="18" charset="2"/>
+                  </a:rPr>
+                  <a:t>F</a:t>
+                </a:r>
+                <a:r>
+                  <a:rPr lang="en-US" b="1" dirty="0" smtClean="0">
+                    <a:sym typeface="Symbol" pitchFamily="18" charset="2"/>
+                  </a:rPr>
+                  <a:t>)</a:t>
+                </a:r>
+                <a:r>
+                  <a:rPr lang="ru-RU" dirty="0" smtClean="0">
+                    <a:sym typeface="Symbol" pitchFamily="18" charset="2"/>
+                  </a:rPr>
+                  <a:t>, если</a:t>
+                </a:r>
+              </a:p>
+              <a:p>
+                <a:pPr>
+                  <a:lnSpc>
+                    <a:spcPct val="120000"/>
+                  </a:lnSpc>
+                </a:pPr>
+                <a:r>
+                  <a:rPr lang="ru-RU" dirty="0" smtClean="0">
+                    <a:sym typeface="Symbol" pitchFamily="18" charset="2"/>
+                  </a:rPr>
+                  <a:t>Существует эффективный алгоритм вычисляющий </a:t>
+                </a:r>
+                <a14:m>
+                  <m:oMath xmlns:m="http://schemas.openxmlformats.org/officeDocument/2006/math">
+                    <m:r>
+                      <a:rPr lang="en-US" b="0" i="1" smtClean="0">
+                        <a:latin typeface="Cambria Math" panose="02040503050406030204" pitchFamily="18" charset="0"/>
+                        <a:sym typeface="Symbol" pitchFamily="18" charset="2"/>
+                      </a:rPr>
+                      <m:t>𝐹</m:t>
+                    </m:r>
+                    <m:d>
+                      <m:dPr>
+                        <m:ctrlPr>
+                          <a:rPr lang="en-US" b="0" i="1" smtClean="0">
+                            <a:latin typeface="Cambria Math" panose="02040503050406030204" pitchFamily="18" charset="0"/>
+                            <a:sym typeface="Symbol" pitchFamily="18" charset="2"/>
+                          </a:rPr>
+                        </m:ctrlPr>
+                      </m:dPr>
+                      <m:e>
+                        <m:r>
+                          <a:rPr lang="en-US" b="0" i="1" smtClean="0">
+                            <a:latin typeface="Cambria Math" panose="02040503050406030204" pitchFamily="18" charset="0"/>
+                            <a:sym typeface="Symbol" pitchFamily="18" charset="2"/>
+                          </a:rPr>
+                          <m:t>𝑘</m:t>
+                        </m:r>
+                        <m:r>
+                          <a:rPr lang="en-US" b="0" i="1" smtClean="0">
+                            <a:latin typeface="Cambria Math" panose="02040503050406030204" pitchFamily="18" charset="0"/>
+                            <a:sym typeface="Symbol" pitchFamily="18" charset="2"/>
+                          </a:rPr>
+                          <m:t>,</m:t>
+                        </m:r>
+                        <m:r>
+                          <a:rPr lang="en-US" b="0" i="1" smtClean="0">
+                            <a:latin typeface="Cambria Math" panose="02040503050406030204" pitchFamily="18" charset="0"/>
+                            <a:sym typeface="Symbol" pitchFamily="18" charset="2"/>
+                          </a:rPr>
+                          <m:t>𝑥</m:t>
+                        </m:r>
+                      </m:e>
+                    </m:d>
+                    <m:r>
+                      <a:rPr lang="en-US" b="0" i="1" smtClean="0">
+                        <a:latin typeface="Cambria Math" panose="02040503050406030204" pitchFamily="18" charset="0"/>
+                        <a:sym typeface="Symbol" pitchFamily="18" charset="2"/>
+                      </a:rPr>
+                      <m:t>. </m:t>
+                    </m:r>
+                    <m:r>
+                      <a:rPr lang="en-US" b="0" i="1" smtClean="0">
+                        <a:latin typeface="Cambria Math" panose="02040503050406030204" pitchFamily="18" charset="0"/>
+                        <a:sym typeface="Symbol" pitchFamily="18" charset="2"/>
+                      </a:rPr>
+                      <m:t>𝑘</m:t>
+                    </m:r>
+                    <m:r>
+                      <a:rPr lang="en-US" b="0" i="1" smtClean="0">
+                        <a:latin typeface="Cambria Math" panose="02040503050406030204" pitchFamily="18" charset="0"/>
+                        <a:sym typeface="Symbol" pitchFamily="18" charset="2"/>
+                      </a:rPr>
+                      <m:t>∈</m:t>
+                    </m:r>
+                    <m:r>
+                      <a:rPr lang="en-US" b="0" i="1" smtClean="0">
+                        <a:latin typeface="Cambria Math" panose="02040503050406030204" pitchFamily="18" charset="0"/>
+                        <a:sym typeface="Symbol" pitchFamily="18" charset="2"/>
+                      </a:rPr>
+                      <m:t>𝐾</m:t>
+                    </m:r>
+                    <m:r>
+                      <a:rPr lang="en-US" b="0" i="1" smtClean="0">
+                        <a:latin typeface="Cambria Math" panose="02040503050406030204" pitchFamily="18" charset="0"/>
+                        <a:sym typeface="Symbol" pitchFamily="18" charset="2"/>
+                      </a:rPr>
+                      <m:t>, </m:t>
+                    </m:r>
+                    <m:r>
+                      <a:rPr lang="en-US" b="0" i="1" smtClean="0">
+                        <a:latin typeface="Cambria Math" panose="02040503050406030204" pitchFamily="18" charset="0"/>
+                        <a:sym typeface="Symbol" pitchFamily="18" charset="2"/>
+                      </a:rPr>
+                      <m:t>𝑥</m:t>
+                    </m:r>
+                    <m:r>
+                      <a:rPr lang="en-US" b="0" i="1" smtClean="0">
+                        <a:latin typeface="Cambria Math" panose="02040503050406030204" pitchFamily="18" charset="0"/>
+                        <a:sym typeface="Symbol" pitchFamily="18" charset="2"/>
+                      </a:rPr>
+                      <m:t>∈</m:t>
+                    </m:r>
+                    <m:r>
+                      <a:rPr lang="en-US" b="0" i="1" smtClean="0">
+                        <a:latin typeface="Cambria Math" panose="02040503050406030204" pitchFamily="18" charset="0"/>
+                        <a:sym typeface="Symbol" pitchFamily="18" charset="2"/>
+                      </a:rPr>
+                      <m:t>𝑋</m:t>
+                    </m:r>
+                  </m:oMath>
+                </a14:m>
+                <a:endParaRPr lang="en-US" dirty="0" smtClean="0">
+                  <a:sym typeface="Symbol" pitchFamily="18" charset="2"/>
+                </a:endParaRPr>
+              </a:p>
+              <a:p>
+                <a:pPr marL="0" indent="0">
+                  <a:lnSpc>
+                    <a:spcPct val="120000"/>
+                  </a:lnSpc>
+                  <a:buNone/>
+                </a:pPr>
+                <a:r>
+                  <a:rPr lang="en-US" dirty="0" smtClean="0">
+                    <a:sym typeface="Symbol" pitchFamily="18" charset="2"/>
+                  </a:rPr>
+                  <a:t>PRF </a:t>
+                </a:r>
+                <a:r>
+                  <a:rPr lang="ru-RU" dirty="0">
+                    <a:sym typeface="Symbol" pitchFamily="18" charset="2"/>
+                  </a:rPr>
+                  <a:t>стойкая, если</a:t>
+                </a:r>
+                <a:r>
+                  <a:rPr lang="en-US" dirty="0">
+                    <a:sym typeface="Symbol" pitchFamily="18" charset="2"/>
+                  </a:rPr>
+                  <a:t> </a:t>
+                </a:r>
+                <a14:m>
+                  <m:oMath xmlns:m="http://schemas.openxmlformats.org/officeDocument/2006/math">
+                    <m:r>
+                      <a:rPr lang="en-US" i="1" dirty="0">
+                        <a:latin typeface="Cambria Math" panose="02040503050406030204" pitchFamily="18" charset="0"/>
+                        <a:sym typeface="Symbol" pitchFamily="18" charset="2"/>
+                      </a:rPr>
+                      <m:t>𝑘</m:t>
+                    </m:r>
+                    <m:sSub>
+                      <m:sSubPr>
+                        <m:ctrlPr>
+                          <a:rPr lang="en-US" i="1" dirty="0">
+                            <a:latin typeface="Cambria Math" panose="02040503050406030204" pitchFamily="18" charset="0"/>
+                            <a:sym typeface="Symbol" pitchFamily="18" charset="2"/>
+                          </a:rPr>
+                        </m:ctrlPr>
+                      </m:sSubPr>
+                      <m:e>
+                        <m:r>
+                          <a:rPr lang="en-US" i="1" dirty="0">
+                            <a:latin typeface="Cambria Math" panose="02040503050406030204" pitchFamily="18" charset="0"/>
+                            <a:sym typeface="Symbol" pitchFamily="18" charset="2"/>
+                          </a:rPr>
+                          <m:t>∈</m:t>
+                        </m:r>
+                      </m:e>
+                      <m:sub>
+                        <m:r>
+                          <a:rPr lang="en-US" i="1" dirty="0">
+                            <a:latin typeface="Cambria Math" panose="02040503050406030204" pitchFamily="18" charset="0"/>
+                            <a:sym typeface="Symbol" pitchFamily="18" charset="2"/>
+                          </a:rPr>
+                          <m:t>𝑅</m:t>
+                        </m:r>
+                      </m:sub>
+                    </m:sSub>
+                    <m:r>
+                      <a:rPr lang="en-US" i="1" dirty="0">
+                        <a:latin typeface="Cambria Math" panose="02040503050406030204" pitchFamily="18" charset="0"/>
+                        <a:sym typeface="Symbol" pitchFamily="18" charset="2"/>
+                      </a:rPr>
+                      <m:t>𝐾</m:t>
+                    </m:r>
+                    <m:r>
+                      <a:rPr lang="en-US" i="1" dirty="0">
+                        <a:latin typeface="Cambria Math" panose="02040503050406030204" pitchFamily="18" charset="0"/>
+                        <a:sym typeface="Symbol" pitchFamily="18" charset="2"/>
+                      </a:rPr>
+                      <m:t>, </m:t>
+                    </m:r>
+                    <m:r>
+                      <a:rPr lang="en-US" b="0" i="1" dirty="0" smtClean="0">
+                        <a:latin typeface="Cambria Math" panose="02040503050406030204" pitchFamily="18" charset="0"/>
+                        <a:sym typeface="Symbol" pitchFamily="18" charset="2"/>
+                      </a:rPr>
+                      <m:t>𝐹</m:t>
+                    </m:r>
+                    <m:d>
+                      <m:dPr>
+                        <m:ctrlPr>
+                          <a:rPr lang="en-US" i="1" dirty="0">
+                            <a:latin typeface="Cambria Math" panose="02040503050406030204" pitchFamily="18" charset="0"/>
+                            <a:sym typeface="Symbol" pitchFamily="18" charset="2"/>
+                          </a:rPr>
+                        </m:ctrlPr>
+                      </m:dPr>
+                      <m:e>
+                        <m:r>
+                          <a:rPr lang="en-US" i="1" dirty="0" err="1">
+                            <a:latin typeface="Cambria Math" panose="02040503050406030204" pitchFamily="18" charset="0"/>
+                            <a:sym typeface="Symbol" pitchFamily="18" charset="2"/>
+                          </a:rPr>
+                          <m:t>𝑘</m:t>
+                        </m:r>
+                        <m:r>
+                          <a:rPr lang="en-US" i="1" dirty="0" err="1">
+                            <a:latin typeface="Cambria Math" panose="02040503050406030204" pitchFamily="18" charset="0"/>
+                            <a:sym typeface="Symbol" pitchFamily="18" charset="2"/>
+                          </a:rPr>
+                          <m:t>,</m:t>
+                        </m:r>
+                        <m:r>
+                          <a:rPr lang="en-US" i="1" dirty="0" err="1">
+                            <a:latin typeface="Cambria Math" panose="02040503050406030204" pitchFamily="18" charset="0"/>
+                            <a:sym typeface="Symbol" pitchFamily="18" charset="2"/>
+                          </a:rPr>
+                          <m:t>𝑚</m:t>
+                        </m:r>
+                      </m:e>
+                    </m:d>
+                    <m:sSub>
+                      <m:sSubPr>
+                        <m:ctrlPr>
+                          <a:rPr lang="en-US" i="1">
+                            <a:latin typeface="Cambria Math" panose="02040503050406030204" pitchFamily="18" charset="0"/>
+                            <a:ea typeface="Cambria Math" panose="02040503050406030204" pitchFamily="18" charset="0"/>
+                          </a:rPr>
+                        </m:ctrlPr>
+                      </m:sSubPr>
+                      <m:e>
+                        <m:r>
+                          <a:rPr lang="ru-RU" i="1">
+                            <a:latin typeface="Cambria Math" panose="02040503050406030204" pitchFamily="18" charset="0"/>
+                            <a:ea typeface="Cambria Math" panose="02040503050406030204" pitchFamily="18" charset="0"/>
+                          </a:rPr>
+                          <m:t>≈</m:t>
+                        </m:r>
+                      </m:e>
+                      <m:sub>
+                        <m:r>
+                          <a:rPr lang="en-US" i="1">
+                            <a:latin typeface="Cambria Math" panose="02040503050406030204" pitchFamily="18" charset="0"/>
+                            <a:ea typeface="Cambria Math" panose="02040503050406030204" pitchFamily="18" charset="0"/>
+                          </a:rPr>
+                          <m:t>𝑝</m:t>
+                        </m:r>
+                      </m:sub>
+                    </m:sSub>
+                    <m:r>
+                      <a:rPr lang="en-US" i="1">
+                        <a:latin typeface="Cambria Math" panose="02040503050406030204" pitchFamily="18" charset="0"/>
+                        <a:ea typeface="Cambria Math" panose="02040503050406030204" pitchFamily="18" charset="0"/>
+                      </a:rPr>
+                      <m:t>𝑟</m:t>
+                    </m:r>
+                    <m:r>
+                      <a:rPr lang="en-US" i="1">
+                        <a:latin typeface="Cambria Math" panose="02040503050406030204" pitchFamily="18" charset="0"/>
+                        <a:ea typeface="Cambria Math" panose="02040503050406030204" pitchFamily="18" charset="0"/>
+                      </a:rPr>
+                      <m:t>, </m:t>
+                    </m:r>
+                    <m:r>
+                      <a:rPr lang="en-US" i="1">
+                        <a:latin typeface="Cambria Math" panose="02040503050406030204" pitchFamily="18" charset="0"/>
+                        <a:ea typeface="Cambria Math" panose="02040503050406030204" pitchFamily="18" charset="0"/>
+                      </a:rPr>
+                      <m:t>𝑟</m:t>
+                    </m:r>
+                    <m:sSub>
+                      <m:sSubPr>
+                        <m:ctrlPr>
+                          <a:rPr lang="en-US" i="1">
+                            <a:latin typeface="Cambria Math" panose="02040503050406030204" pitchFamily="18" charset="0"/>
+                            <a:ea typeface="Cambria Math" panose="02040503050406030204" pitchFamily="18" charset="0"/>
+                          </a:rPr>
+                        </m:ctrlPr>
+                      </m:sSubPr>
+                      <m:e>
+                        <m:r>
+                          <a:rPr lang="en-US" i="1">
+                            <a:latin typeface="Cambria Math" panose="02040503050406030204" pitchFamily="18" charset="0"/>
+                            <a:ea typeface="Cambria Math" panose="02040503050406030204" pitchFamily="18" charset="0"/>
+                          </a:rPr>
+                          <m:t>∈</m:t>
+                        </m:r>
+                      </m:e>
+                      <m:sub>
+                        <m:r>
+                          <a:rPr lang="en-US" i="1">
+                            <a:latin typeface="Cambria Math" panose="02040503050406030204" pitchFamily="18" charset="0"/>
+                            <a:ea typeface="Cambria Math" panose="02040503050406030204" pitchFamily="18" charset="0"/>
+                          </a:rPr>
+                          <m:t>𝑅</m:t>
+                        </m:r>
+                      </m:sub>
+                    </m:sSub>
+                    <m:r>
+                      <a:rPr lang="en-US" b="0" i="1" smtClean="0">
+                        <a:latin typeface="Cambria Math" panose="02040503050406030204" pitchFamily="18" charset="0"/>
+                        <a:ea typeface="Cambria Math" panose="02040503050406030204" pitchFamily="18" charset="0"/>
+                      </a:rPr>
+                      <m:t>𝑌</m:t>
+                    </m:r>
+                  </m:oMath>
+                </a14:m>
+                <a:endParaRPr lang="ru-RU" dirty="0" smtClean="0">
+                  <a:sym typeface="Symbol" pitchFamily="18" charset="2"/>
+                </a:endParaRPr>
+              </a:p>
+              <a:p>
+                <a:pPr marL="0" indent="0">
+                  <a:lnSpc>
+                    <a:spcPct val="120000"/>
+                  </a:lnSpc>
+                  <a:buNone/>
+                </a:pPr>
+                <a:r>
+                  <a:rPr lang="ru-RU" dirty="0" smtClean="0">
+                    <a:sym typeface="Symbol" pitchFamily="18" charset="2"/>
+                  </a:rPr>
+                  <a:t>(где </a:t>
+                </a:r>
+                <a14:m>
+                  <m:oMath xmlns:m="http://schemas.openxmlformats.org/officeDocument/2006/math">
+                    <m:sSub>
+                      <m:sSubPr>
+                        <m:ctrlPr>
+                          <a:rPr lang="en-US" i="1">
+                            <a:latin typeface="Cambria Math" panose="02040503050406030204" pitchFamily="18" charset="0"/>
+                            <a:ea typeface="Cambria Math" panose="02040503050406030204" pitchFamily="18" charset="0"/>
+                          </a:rPr>
+                        </m:ctrlPr>
+                      </m:sSubPr>
+                      <m:e>
+                        <m:r>
+                          <a:rPr lang="ru-RU" i="1">
+                            <a:latin typeface="Cambria Math" panose="02040503050406030204" pitchFamily="18" charset="0"/>
+                            <a:ea typeface="Cambria Math" panose="02040503050406030204" pitchFamily="18" charset="0"/>
+                          </a:rPr>
+                          <m:t>≈</m:t>
+                        </m:r>
+                      </m:e>
+                      <m:sub>
+                        <m:r>
+                          <a:rPr lang="en-US" i="1">
+                            <a:latin typeface="Cambria Math" panose="02040503050406030204" pitchFamily="18" charset="0"/>
+                            <a:ea typeface="Cambria Math" panose="02040503050406030204" pitchFamily="18" charset="0"/>
+                          </a:rPr>
+                          <m:t>𝑝</m:t>
+                        </m:r>
+                      </m:sub>
+                    </m:sSub>
+                  </m:oMath>
+                </a14:m>
+                <a:r>
+                  <a:rPr lang="ru-RU" dirty="0" smtClean="0">
+                    <a:sym typeface="Symbol" pitchFamily="18" charset="2"/>
+                  </a:rPr>
+                  <a:t> - вычислительная неотличимость, </a:t>
+                </a:r>
+                <a14:m>
+                  <m:oMath xmlns:m="http://schemas.openxmlformats.org/officeDocument/2006/math">
+                    <m:sSub>
+                      <m:sSubPr>
+                        <m:ctrlPr>
+                          <a:rPr lang="en-US" i="1" dirty="0">
+                            <a:latin typeface="Cambria Math" panose="02040503050406030204" pitchFamily="18" charset="0"/>
+                            <a:sym typeface="Symbol" pitchFamily="18" charset="2"/>
+                          </a:rPr>
+                        </m:ctrlPr>
+                      </m:sSubPr>
+                      <m:e>
+                        <m:r>
+                          <a:rPr lang="en-US" i="1" dirty="0">
+                            <a:latin typeface="Cambria Math" panose="02040503050406030204" pitchFamily="18" charset="0"/>
+                            <a:sym typeface="Symbol" pitchFamily="18" charset="2"/>
+                          </a:rPr>
+                          <m:t>∈</m:t>
+                        </m:r>
+                      </m:e>
+                      <m:sub>
+                        <m:r>
+                          <a:rPr lang="en-US" i="1" dirty="0">
+                            <a:latin typeface="Cambria Math" panose="02040503050406030204" pitchFamily="18" charset="0"/>
+                            <a:sym typeface="Symbol" pitchFamily="18" charset="2"/>
+                          </a:rPr>
+                          <m:t>𝑅</m:t>
+                        </m:r>
+                      </m:sub>
+                    </m:sSub>
+                  </m:oMath>
+                </a14:m>
+                <a:r>
+                  <a:rPr lang="ru-RU" dirty="0" smtClean="0">
+                    <a:sym typeface="Symbol" pitchFamily="18" charset="2"/>
+                  </a:rPr>
+                  <a:t> - выбор случайного элемента множества</a:t>
+                </a:r>
+                <a:r>
+                  <a:rPr lang="ru-RU" dirty="0" smtClean="0">
+                    <a:sym typeface="Symbol" pitchFamily="18" charset="2"/>
+                  </a:rPr>
+                  <a:t>)</a:t>
+                </a:r>
+                <a:endParaRPr lang="en-US" dirty="0" smtClean="0">
+                  <a:sym typeface="Symbol" pitchFamily="18" charset="2"/>
+                </a:endParaRPr>
+              </a:p>
+              <a:p>
+                <a:pPr marL="0" indent="0">
+                  <a:lnSpc>
+                    <a:spcPct val="120000"/>
+                  </a:lnSpc>
+                  <a:buNone/>
+                </a:pPr>
+                <a:endParaRPr lang="en-US" dirty="0">
+                  <a:sym typeface="Symbol" pitchFamily="18" charset="2"/>
+                </a:endParaRPr>
+              </a:p>
+              <a:p>
+                <a:pPr marL="0" indent="0">
+                  <a:lnSpc>
+                    <a:spcPct val="120000"/>
+                  </a:lnSpc>
+                  <a:buNone/>
+                </a:pPr>
+                <a:r>
+                  <a:rPr lang="ru-RU" dirty="0" smtClean="0">
+                    <a:sym typeface="Symbol" pitchFamily="18" charset="2"/>
+                  </a:rPr>
+                  <a:t>Стойкий блочный шифр с </a:t>
+                </a:r>
+                <a:r>
+                  <a:rPr lang="ru-RU" dirty="0" err="1" smtClean="0">
+                    <a:sym typeface="Symbol" pitchFamily="18" charset="2"/>
+                  </a:rPr>
+                  <a:t>сверх-полиномиальной</a:t>
+                </a:r>
+                <a:r>
+                  <a:rPr lang="ru-RU" dirty="0" smtClean="0">
+                    <a:sym typeface="Symbol" pitchFamily="18" charset="2"/>
+                  </a:rPr>
+                  <a:t> (достаточной большой, на практике </a:t>
+                </a:r>
+                <a14:m>
+                  <m:oMath xmlns:m="http://schemas.openxmlformats.org/officeDocument/2006/math">
+                    <m:r>
+                      <a:rPr lang="en-US" b="0" i="1" smtClean="0">
+                        <a:latin typeface="Cambria Math" panose="02040503050406030204" pitchFamily="18" charset="0"/>
+                        <a:sym typeface="Symbol" pitchFamily="18" charset="2"/>
+                      </a:rPr>
+                      <m:t>&gt;</m:t>
+                    </m:r>
+                    <m:sSup>
+                      <m:sSupPr>
+                        <m:ctrlPr>
+                          <a:rPr lang="en-US" b="0" i="1" smtClean="0">
+                            <a:latin typeface="Cambria Math" panose="02040503050406030204" pitchFamily="18" charset="0"/>
+                            <a:sym typeface="Symbol" pitchFamily="18" charset="2"/>
+                          </a:rPr>
+                        </m:ctrlPr>
+                      </m:sSupPr>
+                      <m:e>
+                        <m:r>
+                          <a:rPr lang="en-US" b="0" i="1" smtClean="0">
+                            <a:latin typeface="Cambria Math" panose="02040503050406030204" pitchFamily="18" charset="0"/>
+                            <a:sym typeface="Symbol" pitchFamily="18" charset="2"/>
+                          </a:rPr>
+                          <m:t>2</m:t>
+                        </m:r>
+                      </m:e>
+                      <m:sup>
+                        <m:r>
+                          <a:rPr lang="en-US" b="0" i="1" smtClean="0">
+                            <a:latin typeface="Cambria Math" panose="02040503050406030204" pitchFamily="18" charset="0"/>
+                            <a:sym typeface="Symbol" pitchFamily="18" charset="2"/>
+                          </a:rPr>
+                          <m:t>80</m:t>
+                        </m:r>
+                      </m:sup>
+                    </m:sSup>
+                  </m:oMath>
+                </a14:m>
+                <a:r>
+                  <a:rPr lang="ru-RU" dirty="0" smtClean="0">
+                    <a:sym typeface="Symbol" pitchFamily="18" charset="2"/>
+                  </a:rPr>
+                  <a:t>, а лучше </a:t>
+                </a:r>
+                <a14:m>
+                  <m:oMath xmlns:m="http://schemas.openxmlformats.org/officeDocument/2006/math">
+                    <m:sSup>
+                      <m:sSupPr>
+                        <m:ctrlPr>
+                          <a:rPr lang="en-US" b="0" i="1" smtClean="0">
+                            <a:latin typeface="Cambria Math" panose="02040503050406030204" pitchFamily="18" charset="0"/>
+                            <a:sym typeface="Symbol" pitchFamily="18" charset="2"/>
+                          </a:rPr>
+                        </m:ctrlPr>
+                      </m:sSupPr>
+                      <m:e>
+                        <m:r>
+                          <a:rPr lang="en-US" b="0" i="1" smtClean="0">
+                            <a:latin typeface="Cambria Math" panose="02040503050406030204" pitchFamily="18" charset="0"/>
+                            <a:sym typeface="Symbol" pitchFamily="18" charset="2"/>
+                          </a:rPr>
+                          <m:t>2</m:t>
+                        </m:r>
+                      </m:e>
+                      <m:sup>
+                        <m:r>
+                          <a:rPr lang="en-US" b="0" i="1" smtClean="0">
+                            <a:latin typeface="Cambria Math" panose="02040503050406030204" pitchFamily="18" charset="0"/>
+                            <a:sym typeface="Symbol" pitchFamily="18" charset="2"/>
+                          </a:rPr>
+                          <m:t>128</m:t>
+                        </m:r>
+                      </m:sup>
+                    </m:sSup>
+                  </m:oMath>
+                </a14:m>
+                <a:r>
+                  <a:rPr lang="en-US" dirty="0" smtClean="0">
+                    <a:sym typeface="Symbol" pitchFamily="18" charset="2"/>
+                  </a:rPr>
+                  <a:t>)</a:t>
+                </a:r>
+                <a:r>
+                  <a:rPr lang="ru-RU" dirty="0" smtClean="0">
+                    <a:sym typeface="Symbol" pitchFamily="18" charset="2"/>
+                  </a:rPr>
+                  <a:t> областью значения является стойкой </a:t>
+                </a:r>
+                <a:r>
+                  <a:rPr lang="en-US" dirty="0" smtClean="0">
+                    <a:sym typeface="Symbol" pitchFamily="18" charset="2"/>
+                  </a:rPr>
+                  <a:t>PRF</a:t>
+                </a:r>
+                <a:r>
+                  <a:rPr lang="ru-RU" dirty="0" smtClean="0">
+                    <a:sym typeface="Symbol" pitchFamily="18" charset="2"/>
+                  </a:rPr>
+                  <a:t>.</a:t>
+                </a:r>
+                <a:endParaRPr lang="ru-RU" dirty="0">
+                  <a:sym typeface="Symbol" pitchFamily="18" charset="2"/>
+                </a:endParaRPr>
+              </a:p>
+            </p:txBody>
+          </p:sp>
+        </mc:Choice>
+        <mc:Fallback>
+          <p:sp>
+            <p:nvSpPr>
+              <p:cNvPr id="5" name="Rectangle 3"/>
+              <p:cNvSpPr>
+                <a:spLocks noGrp="1" noRot="1" noChangeAspect="1" noMove="1" noResize="1" noEditPoints="1" noAdjustHandles="1" noChangeArrowheads="1" noChangeShapeType="1" noTextEdit="1"/>
+              </p:cNvSpPr>
+              <p:nvPr>
+                <p:ph idx="1"/>
+              </p:nvPr>
+            </p:nvSpPr>
+            <p:spPr>
+              <a:xfrm>
+                <a:off x="838200" y="1473958"/>
+                <a:ext cx="11008056" cy="4882391"/>
+              </a:xfrm>
+              <a:blipFill>
+                <a:blip r:embed="rId2"/>
+                <a:stretch>
+                  <a:fillRect l="-997" t="-624" r="-831" b="-1998"/>
+                </a:stretch>
+              </a:blipFill>
+            </p:spPr>
+            <p:txBody>
+              <a:bodyPr/>
+              <a:lstStyle/>
+              <a:p>
+                <a:r>
+                  <a:rPr lang="ru-RU">
+                    <a:noFill/>
+                  </a:rPr>
+                  <a:t> </a:t>
+                </a:r>
+              </a:p>
+            </p:txBody>
+          </p:sp>
+        </mc:Fallback>
+      </mc:AlternateContent>
+    </p:spTree>
+    <p:extLst>
+      <p:ext uri="{BB962C8B-B14F-4D97-AF65-F5344CB8AC3E}">
+        <p14:creationId xmlns:p14="http://schemas.microsoft.com/office/powerpoint/2010/main" val="662778802"/>
+      </p:ext>
+    </p:extLst>
+  </p:cSld>
+  <p:clrMapOvr>
+    <a:masterClrMapping/>
+  </p:clrMapOvr>
+  <p:timing>
+    <p:tnLst>
+      <p:par>
+        <p:cTn id="1" dur="indefinite" restart="never" nodeType="tmRoot"/>
+      </p:par>
+    </p:tnLst>
+  </p:timing>
+</p:sld>
+</file>
+
+<file path=ppt/slides/slide11.xml><?xml version="1.0" encoding="utf-8"?>
+<p:sld xmlns:a="http://schemas.openxmlformats.org/drawingml/2006/main" xmlns:r="http://schemas.openxmlformats.org/officeDocument/2006/relationships" xmlns:p="http://schemas.openxmlformats.org/presentationml/2006/main">
+  <p:cSld>
+    <p:spTree>
+      <p:nvGrpSpPr>
+        <p:cNvPr id="1" name=""/>
+        <p:cNvGrpSpPr/>
+        <p:nvPr/>
+      </p:nvGrpSpPr>
+      <p:grpSpPr>
+        <a:xfrm>
+          <a:off x="0" y="0"/>
+          <a:ext cx="0" cy="0"/>
+          <a:chOff x="0" y="0"/>
+          <a:chExt cx="0" cy="0"/>
+        </a:xfrm>
+      </p:grpSpPr>
+      <p:sp>
+        <p:nvSpPr>
+          <p:cNvPr id="2" name="Заголовок 1"/>
+          <p:cNvSpPr>
+            <a:spLocks noGrp="1"/>
+          </p:cNvSpPr>
+          <p:nvPr>
+            <p:ph type="title"/>
+          </p:nvPr>
+        </p:nvSpPr>
+        <p:spPr/>
+        <p:txBody>
+          <a:bodyPr/>
+          <a:lstStyle/>
+          <a:p>
+            <a:r>
               <a:rPr lang="ru-RU" dirty="0"/>
               <a:t>Построение </a:t>
             </a:r>
@@ -3702,7 +4634,7 @@
           <a:p>
             <a:fld id="{8253DDDB-F8F7-4D64-A7FD-3F3D61C1949F}" type="slidenum">
               <a:rPr lang="ru-RU" smtClean="0"/>
-              <a:t>10</a:t>
+              <a:t>11</a:t>
             </a:fld>
             <a:endParaRPr lang="ru-RU"/>
           </a:p>
@@ -3728,7 +4660,7 @@
 </p:sld>
 </file>
 
-<file path=ppt/slides/slide11.xml><?xml version="1.0" encoding="utf-8"?>
+<file path=ppt/slides/slide12.xml><?xml version="1.0" encoding="utf-8"?>
 <p:sld xmlns:a="http://schemas.openxmlformats.org/drawingml/2006/main" xmlns:r="http://schemas.openxmlformats.org/officeDocument/2006/relationships" xmlns:p="http://schemas.openxmlformats.org/presentationml/2006/main">
   <p:cSld>
     <p:spTree>
@@ -3970,7 +4902,7 @@
           <a:p>
             <a:fld id="{8253DDDB-F8F7-4D64-A7FD-3F3D61C1949F}" type="slidenum">
               <a:rPr lang="ru-RU" smtClean="0"/>
-              <a:t>11</a:t>
+              <a:t>12</a:t>
             </a:fld>
             <a:endParaRPr lang="ru-RU"/>
           </a:p>
@@ -4020,7 +4952,7 @@
 </p:sld>
 </file>
 
-<file path=ppt/slides/slide12.xml><?xml version="1.0" encoding="utf-8"?>
+<file path=ppt/slides/slide13.xml><?xml version="1.0" encoding="utf-8"?>
 <p:sld xmlns:a="http://schemas.openxmlformats.org/drawingml/2006/main" xmlns:r="http://schemas.openxmlformats.org/officeDocument/2006/relationships" xmlns:p="http://schemas.openxmlformats.org/presentationml/2006/main">
   <p:cSld>
     <p:spTree>
@@ -4238,7 +5170,7 @@
           <a:p>
             <a:fld id="{8253DDDB-F8F7-4D64-A7FD-3F3D61C1949F}" type="slidenum">
               <a:rPr lang="ru-RU" smtClean="0"/>
-              <a:t>12</a:t>
+              <a:t>13</a:t>
             </a:fld>
             <a:endParaRPr lang="ru-RU"/>
           </a:p>
@@ -4288,7 +5220,7 @@
 </p:sld>
 </file>
 
-<file path=ppt/slides/slide13.xml><?xml version="1.0" encoding="utf-8"?>
+<file path=ppt/slides/slide14.xml><?xml version="1.0" encoding="utf-8"?>
 <p:sld xmlns:a="http://schemas.openxmlformats.org/drawingml/2006/main" xmlns:r="http://schemas.openxmlformats.org/officeDocument/2006/relationships" xmlns:p="http://schemas.openxmlformats.org/presentationml/2006/main">
   <p:cSld>
     <p:spTree>
@@ -4846,7 +5778,7 @@
           <a:p>
             <a:fld id="{8253DDDB-F8F7-4D64-A7FD-3F3D61C1949F}" type="slidenum">
               <a:rPr lang="ru-RU" smtClean="0"/>
-              <a:t>13</a:t>
+              <a:t>14</a:t>
             </a:fld>
             <a:endParaRPr lang="ru-RU"/>
           </a:p>
@@ -4896,7 +5828,7 @@
 </p:sld>
 </file>
 
-<file path=ppt/slides/slide14.xml><?xml version="1.0" encoding="utf-8"?>
+<file path=ppt/slides/slide15.xml><?xml version="1.0" encoding="utf-8"?>
 <p:sld xmlns:a="http://schemas.openxmlformats.org/drawingml/2006/main" xmlns:r="http://schemas.openxmlformats.org/officeDocument/2006/relationships" xmlns:p="http://schemas.openxmlformats.org/presentationml/2006/main">
   <p:cSld>
     <p:spTree>
@@ -5962,7 +6894,7 @@
           <a:p>
             <a:fld id="{8253DDDB-F8F7-4D64-A7FD-3F3D61C1949F}" type="slidenum">
               <a:rPr lang="ru-RU" smtClean="0"/>
-              <a:t>14</a:t>
+              <a:t>15</a:t>
             </a:fld>
             <a:endParaRPr lang="ru-RU"/>
           </a:p>
@@ -6012,7 +6944,7 @@
 </p:sld>
 </file>
 
-<file path=ppt/slides/slide15.xml><?xml version="1.0" encoding="utf-8"?>
+<file path=ppt/slides/slide16.xml><?xml version="1.0" encoding="utf-8"?>
 <p:sld xmlns:a="http://schemas.openxmlformats.org/drawingml/2006/main" xmlns:r="http://schemas.openxmlformats.org/officeDocument/2006/relationships" xmlns:p="http://schemas.openxmlformats.org/presentationml/2006/main">
   <p:cSld>
     <p:spTree>
@@ -6715,7 +7647,7 @@
           <a:p>
             <a:fld id="{8253DDDB-F8F7-4D64-A7FD-3F3D61C1949F}" type="slidenum">
               <a:rPr lang="ru-RU" smtClean="0"/>
-              <a:t>15</a:t>
+              <a:t>16</a:t>
             </a:fld>
             <a:endParaRPr lang="ru-RU"/>
           </a:p>
@@ -6749,135 +7681,6 @@
     <p:extLst>
       <p:ext uri="{BB962C8B-B14F-4D97-AF65-F5344CB8AC3E}">
         <p14:creationId xmlns:p14="http://schemas.microsoft.com/office/powerpoint/2010/main" val="2049622669"/>
-      </p:ext>
-    </p:extLst>
-  </p:cSld>
-  <p:clrMapOvr>
-    <a:masterClrMapping/>
-  </p:clrMapOvr>
-  <p:timing>
-    <p:tnLst>
-      <p:par>
-        <p:cTn id="1" dur="indefinite" restart="never" nodeType="tmRoot"/>
-      </p:par>
-    </p:tnLst>
-  </p:timing>
-</p:sld>
-</file>
-
-<file path=ppt/slides/slide16.xml><?xml version="1.0" encoding="utf-8"?>
-<p:sld xmlns:a="http://schemas.openxmlformats.org/drawingml/2006/main" xmlns:r="http://schemas.openxmlformats.org/officeDocument/2006/relationships" xmlns:p="http://schemas.openxmlformats.org/presentationml/2006/main">
-  <p:cSld>
-    <p:spTree>
-      <p:nvGrpSpPr>
-        <p:cNvPr id="1" name=""/>
-        <p:cNvGrpSpPr/>
-        <p:nvPr/>
-      </p:nvGrpSpPr>
-      <p:grpSpPr>
-        <a:xfrm>
-          <a:off x="0" y="0"/>
-          <a:ext cx="0" cy="0"/>
-          <a:chOff x="0" y="0"/>
-          <a:chExt cx="0" cy="0"/>
-        </a:xfrm>
-      </p:grpSpPr>
-      <p:sp>
-        <p:nvSpPr>
-          <p:cNvPr id="2" name="Заголовок 1"/>
-          <p:cNvSpPr>
-            <a:spLocks noGrp="1"/>
-          </p:cNvSpPr>
-          <p:nvPr>
-            <p:ph type="title"/>
-          </p:nvPr>
-        </p:nvSpPr>
-        <p:spPr/>
-        <p:txBody>
-          <a:bodyPr/>
-          <a:lstStyle/>
-          <a:p>
-            <a:r>
-              <a:rPr lang="ru-RU" dirty="0" err="1"/>
-              <a:t>Зашифрование</a:t>
-            </a:r>
-            <a:r>
-              <a:rPr lang="ru-RU" dirty="0"/>
-              <a:t> выхода</a:t>
-            </a:r>
-            <a:r>
-              <a:rPr lang="en-US" dirty="0"/>
-              <a:t> </a:t>
-            </a:r>
-            <a:r>
-              <a:rPr lang="ru-RU" dirty="0" err="1"/>
-              <a:t>беспрификсной</a:t>
-            </a:r>
-            <a:r>
-              <a:rPr lang="ru-RU" dirty="0"/>
-              <a:t> </a:t>
-            </a:r>
-            <a:r>
-              <a:rPr lang="en-US" dirty="0"/>
-              <a:t>PRF</a:t>
-            </a:r>
-            <a:endParaRPr lang="ru-RU" dirty="0"/>
-          </a:p>
-        </p:txBody>
-      </p:sp>
-      <p:pic>
-        <p:nvPicPr>
-          <p:cNvPr id="5" name="Объект 4"/>
-          <p:cNvPicPr>
-            <a:picLocks noGrp="1" noChangeAspect="1"/>
-          </p:cNvPicPr>
-          <p:nvPr>
-            <p:ph idx="1"/>
-          </p:nvPr>
-        </p:nvPicPr>
-        <p:blipFill>
-          <a:blip r:embed="rId2"/>
-          <a:stretch>
-            <a:fillRect/>
-          </a:stretch>
-        </p:blipFill>
-        <p:spPr>
-          <a:xfrm>
-            <a:off x="2500746" y="1695893"/>
-            <a:ext cx="6227618" cy="4660457"/>
-          </a:xfrm>
-          <a:prstGeom prst="rect">
-            <a:avLst/>
-          </a:prstGeom>
-        </p:spPr>
-      </p:pic>
-      <p:sp>
-        <p:nvSpPr>
-          <p:cNvPr id="4" name="Номер слайда 3"/>
-          <p:cNvSpPr>
-            <a:spLocks noGrp="1"/>
-          </p:cNvSpPr>
-          <p:nvPr>
-            <p:ph type="sldNum" sz="quarter" idx="12"/>
-          </p:nvPr>
-        </p:nvSpPr>
-        <p:spPr/>
-        <p:txBody>
-          <a:bodyPr/>
-          <a:lstStyle/>
-          <a:p>
-            <a:fld id="{8253DDDB-F8F7-4D64-A7FD-3F3D61C1949F}" type="slidenum">
-              <a:rPr lang="ru-RU" smtClean="0"/>
-              <a:t>16</a:t>
-            </a:fld>
-            <a:endParaRPr lang="ru-RU"/>
-          </a:p>
-        </p:txBody>
-      </p:sp>
-    </p:spTree>
-    <p:extLst>
-      <p:ext uri="{BB962C8B-B14F-4D97-AF65-F5344CB8AC3E}">
-        <p14:creationId xmlns:p14="http://schemas.microsoft.com/office/powerpoint/2010/main" val="318515268"/>
       </p:ext>
     </p:extLst>
   </p:cSld>
@@ -6928,34 +7731,58 @@
           <a:p>
             <a:r>
               <a:rPr lang="ru-RU" dirty="0" err="1"/>
-              <a:t>Беспрификсное</a:t>
+              <a:t>Зашифрование</a:t>
             </a:r>
             <a:r>
               <a:rPr lang="ru-RU" dirty="0"/>
-              <a:t> кодирование с рандомизацией</a:t>
-            </a:r>
+              <a:t> выхода</a:t>
+            </a:r>
+            <a:r>
+              <a:rPr lang="en-US" dirty="0"/>
+              <a:t> </a:t>
+            </a:r>
+            <a:r>
+              <a:rPr lang="ru-RU" dirty="0" err="1"/>
+              <a:t>беспрификсной</a:t>
+            </a:r>
+            <a:r>
+              <a:rPr lang="ru-RU" dirty="0"/>
+              <a:t> </a:t>
+            </a:r>
+            <a:r>
+              <a:rPr lang="en-US" dirty="0"/>
+              <a:t>PRF</a:t>
+            </a:r>
+            <a:endParaRPr lang="ru-RU" dirty="0"/>
           </a:p>
         </p:txBody>
       </p:sp>
-      <p:sp>
-        <p:nvSpPr>
-          <p:cNvPr id="3" name="Объект 2"/>
-          <p:cNvSpPr>
-            <a:spLocks noGrp="1"/>
-          </p:cNvSpPr>
+      <p:pic>
+        <p:nvPicPr>
+          <p:cNvPr id="5" name="Объект 4"/>
+          <p:cNvPicPr>
+            <a:picLocks noGrp="1" noChangeAspect="1"/>
+          </p:cNvPicPr>
           <p:nvPr>
             <p:ph idx="1"/>
           </p:nvPr>
-        </p:nvSpPr>
-        <p:spPr/>
-        <p:txBody>
-          <a:bodyPr/>
-          <a:lstStyle/>
-          <a:p>
-            <a:endParaRPr lang="ru-RU"/>
-          </a:p>
-        </p:txBody>
-      </p:sp>
+        </p:nvPicPr>
+        <p:blipFill>
+          <a:blip r:embed="rId2"/>
+          <a:stretch>
+            <a:fillRect/>
+          </a:stretch>
+        </p:blipFill>
+        <p:spPr>
+          <a:xfrm>
+            <a:off x="2500746" y="1695893"/>
+            <a:ext cx="6227618" cy="4660457"/>
+          </a:xfrm>
+          <a:prstGeom prst="rect">
+            <a:avLst/>
+          </a:prstGeom>
+        </p:spPr>
+      </p:pic>
       <p:sp>
         <p:nvSpPr>
           <p:cNvPr id="4" name="Номер слайда 3"/>
@@ -6979,34 +7806,10 @@
           </a:p>
         </p:txBody>
       </p:sp>
-      <p:pic>
-        <p:nvPicPr>
-          <p:cNvPr id="5" name="Рисунок 4"/>
-          <p:cNvPicPr>
-            <a:picLocks noChangeAspect="1"/>
-          </p:cNvPicPr>
-          <p:nvPr/>
-        </p:nvPicPr>
-        <p:blipFill>
-          <a:blip r:embed="rId2"/>
-          <a:stretch>
-            <a:fillRect/>
-          </a:stretch>
-        </p:blipFill>
-        <p:spPr>
-          <a:xfrm>
-            <a:off x="2798617" y="1825625"/>
-            <a:ext cx="6867897" cy="4904108"/>
-          </a:xfrm>
-          <a:prstGeom prst="rect">
-            <a:avLst/>
-          </a:prstGeom>
-        </p:spPr>
-      </p:pic>
     </p:spTree>
     <p:extLst>
       <p:ext uri="{BB962C8B-B14F-4D97-AF65-F5344CB8AC3E}">
-        <p14:creationId xmlns:p14="http://schemas.microsoft.com/office/powerpoint/2010/main" val="3954279003"/>
+        <p14:creationId xmlns:p14="http://schemas.microsoft.com/office/powerpoint/2010/main" val="318515268"/>
       </p:ext>
     </p:extLst>
   </p:cSld>
@@ -7056,10 +7859,13 @@
           <a:lstStyle/>
           <a:p>
             <a:r>
-              <a:rPr lang="en-US" dirty="0" smtClean="0"/>
-              <a:t>CMAC</a:t>
-            </a:r>
-            <a:endParaRPr lang="ru-RU" dirty="0"/>
+              <a:rPr lang="ru-RU" dirty="0" err="1"/>
+              <a:t>Беспрификсное</a:t>
+            </a:r>
+            <a:r>
+              <a:rPr lang="ru-RU" dirty="0"/>
+              <a:t> кодирование с рандомизацией</a:t>
+            </a:r>
           </a:p>
         </p:txBody>
       </p:sp>
@@ -7078,41 +7884,7 @@
           <a:bodyPr/>
           <a:lstStyle/>
           <a:p>
-            <a:r>
-              <a:rPr lang="ru-RU" dirty="0" smtClean="0"/>
-              <a:t>Стандарт </a:t>
-            </a:r>
-            <a:r>
-              <a:rPr lang="en-US" dirty="0" smtClean="0"/>
-              <a:t>NIST</a:t>
-            </a:r>
-            <a:endParaRPr lang="ru-RU" dirty="0" smtClean="0"/>
-          </a:p>
-          <a:p>
-            <a:r>
-              <a:rPr lang="ru-RU" dirty="0" smtClean="0"/>
-              <a:t>Один из наиболее популярных алгоритмов вычисления </a:t>
-            </a:r>
-            <a:r>
-              <a:rPr lang="en-US" dirty="0" smtClean="0"/>
-              <a:t>MAC (</a:t>
-            </a:r>
-            <a:r>
-              <a:rPr lang="ru-RU" dirty="0" smtClean="0"/>
-              <a:t>самый популярных после </a:t>
-            </a:r>
-            <a:r>
-              <a:rPr lang="en-US" dirty="0" smtClean="0"/>
-              <a:t>HMAC)</a:t>
-            </a:r>
-            <a:endParaRPr lang="ru-RU" dirty="0" smtClean="0"/>
-          </a:p>
-          <a:p>
-            <a:r>
-              <a:rPr lang="ru-RU" dirty="0" smtClean="0"/>
-              <a:t>Использует три различных ключа (могут быть выработаны на основе одного ключа)</a:t>
-            </a:r>
-            <a:endParaRPr lang="en-US" dirty="0" smtClean="0"/>
+            <a:endParaRPr lang="ru-RU"/>
           </a:p>
         </p:txBody>
       </p:sp>
@@ -7139,10 +7911,34 @@
           </a:p>
         </p:txBody>
       </p:sp>
+      <p:pic>
+        <p:nvPicPr>
+          <p:cNvPr id="5" name="Рисунок 4"/>
+          <p:cNvPicPr>
+            <a:picLocks noChangeAspect="1"/>
+          </p:cNvPicPr>
+          <p:nvPr/>
+        </p:nvPicPr>
+        <p:blipFill>
+          <a:blip r:embed="rId2"/>
+          <a:stretch>
+            <a:fillRect/>
+          </a:stretch>
+        </p:blipFill>
+        <p:spPr>
+          <a:xfrm>
+            <a:off x="2798617" y="1825625"/>
+            <a:ext cx="6867897" cy="4904108"/>
+          </a:xfrm>
+          <a:prstGeom prst="rect">
+            <a:avLst/>
+          </a:prstGeom>
+        </p:spPr>
+      </p:pic>
     </p:spTree>
     <p:extLst>
       <p:ext uri="{BB962C8B-B14F-4D97-AF65-F5344CB8AC3E}">
-        <p14:creationId xmlns:p14="http://schemas.microsoft.com/office/powerpoint/2010/main" val="1629769234"/>
+        <p14:creationId xmlns:p14="http://schemas.microsoft.com/office/powerpoint/2010/main" val="3954279003"/>
       </p:ext>
     </p:extLst>
   </p:cSld>
@@ -7192,7 +7988,7 @@
           <a:lstStyle/>
           <a:p>
             <a:r>
-              <a:rPr lang="en-US" dirty="0"/>
+              <a:rPr lang="en-US" dirty="0" smtClean="0"/>
               <a:t>CMAC</a:t>
             </a:r>
             <a:endParaRPr lang="ru-RU" dirty="0"/>
@@ -7214,7 +8010,41 @@
           <a:bodyPr/>
           <a:lstStyle/>
           <a:p>
-            <a:endParaRPr lang="ru-RU"/>
+            <a:r>
+              <a:rPr lang="ru-RU" dirty="0" smtClean="0"/>
+              <a:t>Стандарт </a:t>
+            </a:r>
+            <a:r>
+              <a:rPr lang="en-US" dirty="0" smtClean="0"/>
+              <a:t>NIST</a:t>
+            </a:r>
+            <a:endParaRPr lang="ru-RU" dirty="0" smtClean="0"/>
+          </a:p>
+          <a:p>
+            <a:r>
+              <a:rPr lang="ru-RU" dirty="0" smtClean="0"/>
+              <a:t>Один из наиболее популярных алгоритмов вычисления </a:t>
+            </a:r>
+            <a:r>
+              <a:rPr lang="en-US" dirty="0" smtClean="0"/>
+              <a:t>MAC (</a:t>
+            </a:r>
+            <a:r>
+              <a:rPr lang="ru-RU" dirty="0" smtClean="0"/>
+              <a:t>самый популярных после </a:t>
+            </a:r>
+            <a:r>
+              <a:rPr lang="en-US" dirty="0" smtClean="0"/>
+              <a:t>HMAC)</a:t>
+            </a:r>
+            <a:endParaRPr lang="ru-RU" dirty="0" smtClean="0"/>
+          </a:p>
+          <a:p>
+            <a:r>
+              <a:rPr lang="ru-RU" dirty="0" smtClean="0"/>
+              <a:t>Использует три различных ключа (могут быть выработаны на основе одного ключа)</a:t>
+            </a:r>
+            <a:endParaRPr lang="en-US" dirty="0" smtClean="0"/>
           </a:p>
         </p:txBody>
       </p:sp>
@@ -7241,34 +8071,10 @@
           </a:p>
         </p:txBody>
       </p:sp>
-      <p:pic>
-        <p:nvPicPr>
-          <p:cNvPr id="5" name="Рисунок 4"/>
-          <p:cNvPicPr>
-            <a:picLocks noChangeAspect="1"/>
-          </p:cNvPicPr>
-          <p:nvPr/>
-        </p:nvPicPr>
-        <p:blipFill>
-          <a:blip r:embed="rId2"/>
-          <a:stretch>
-            <a:fillRect/>
-          </a:stretch>
-        </p:blipFill>
-        <p:spPr>
-          <a:xfrm>
-            <a:off x="1359910" y="1976004"/>
-            <a:ext cx="9589139" cy="4153258"/>
-          </a:xfrm>
-          <a:prstGeom prst="rect">
-            <a:avLst/>
-          </a:prstGeom>
-        </p:spPr>
-      </p:pic>
     </p:spTree>
     <p:extLst>
       <p:ext uri="{BB962C8B-B14F-4D97-AF65-F5344CB8AC3E}">
-        <p14:creationId xmlns:p14="http://schemas.microsoft.com/office/powerpoint/2010/main" val="1785455528"/>
+        <p14:creationId xmlns:p14="http://schemas.microsoft.com/office/powerpoint/2010/main" val="1629769234"/>
       </p:ext>
     </p:extLst>
   </p:cSld>
@@ -7875,6 +8681,132 @@
           <a:lstStyle/>
           <a:p>
             <a:r>
+              <a:rPr lang="en-US" dirty="0"/>
+              <a:t>CMAC</a:t>
+            </a:r>
+            <a:endParaRPr lang="ru-RU" dirty="0"/>
+          </a:p>
+        </p:txBody>
+      </p:sp>
+      <p:sp>
+        <p:nvSpPr>
+          <p:cNvPr id="3" name="Объект 2"/>
+          <p:cNvSpPr>
+            <a:spLocks noGrp="1"/>
+          </p:cNvSpPr>
+          <p:nvPr>
+            <p:ph idx="1"/>
+          </p:nvPr>
+        </p:nvSpPr>
+        <p:spPr/>
+        <p:txBody>
+          <a:bodyPr/>
+          <a:lstStyle/>
+          <a:p>
+            <a:endParaRPr lang="ru-RU"/>
+          </a:p>
+        </p:txBody>
+      </p:sp>
+      <p:sp>
+        <p:nvSpPr>
+          <p:cNvPr id="4" name="Номер слайда 3"/>
+          <p:cNvSpPr>
+            <a:spLocks noGrp="1"/>
+          </p:cNvSpPr>
+          <p:nvPr>
+            <p:ph type="sldNum" sz="quarter" idx="12"/>
+          </p:nvPr>
+        </p:nvSpPr>
+        <p:spPr/>
+        <p:txBody>
+          <a:bodyPr/>
+          <a:lstStyle/>
+          <a:p>
+            <a:fld id="{8253DDDB-F8F7-4D64-A7FD-3F3D61C1949F}" type="slidenum">
+              <a:rPr lang="ru-RU" smtClean="0"/>
+              <a:t>20</a:t>
+            </a:fld>
+            <a:endParaRPr lang="ru-RU"/>
+          </a:p>
+        </p:txBody>
+      </p:sp>
+      <p:pic>
+        <p:nvPicPr>
+          <p:cNvPr id="5" name="Рисунок 4"/>
+          <p:cNvPicPr>
+            <a:picLocks noChangeAspect="1"/>
+          </p:cNvPicPr>
+          <p:nvPr/>
+        </p:nvPicPr>
+        <p:blipFill>
+          <a:blip r:embed="rId2"/>
+          <a:stretch>
+            <a:fillRect/>
+          </a:stretch>
+        </p:blipFill>
+        <p:spPr>
+          <a:xfrm>
+            <a:off x="1359910" y="1976004"/>
+            <a:ext cx="9589139" cy="4153258"/>
+          </a:xfrm>
+          <a:prstGeom prst="rect">
+            <a:avLst/>
+          </a:prstGeom>
+        </p:spPr>
+      </p:pic>
+    </p:spTree>
+    <p:extLst>
+      <p:ext uri="{BB962C8B-B14F-4D97-AF65-F5344CB8AC3E}">
+        <p14:creationId xmlns:p14="http://schemas.microsoft.com/office/powerpoint/2010/main" val="1785455528"/>
+      </p:ext>
+    </p:extLst>
+  </p:cSld>
+  <p:clrMapOvr>
+    <a:masterClrMapping/>
+  </p:clrMapOvr>
+  <p:timing>
+    <p:tnLst>
+      <p:par>
+        <p:cTn id="1" dur="indefinite" restart="never" nodeType="tmRoot"/>
+      </p:par>
+    </p:tnLst>
+  </p:timing>
+</p:sld>
+</file>
+
+<file path=ppt/slides/slide21.xml><?xml version="1.0" encoding="utf-8"?>
+<p:sld xmlns:a="http://schemas.openxmlformats.org/drawingml/2006/main" xmlns:r="http://schemas.openxmlformats.org/officeDocument/2006/relationships" xmlns:p="http://schemas.openxmlformats.org/presentationml/2006/main">
+  <p:cSld>
+    <p:spTree>
+      <p:nvGrpSpPr>
+        <p:cNvPr id="1" name=""/>
+        <p:cNvGrpSpPr/>
+        <p:nvPr/>
+      </p:nvGrpSpPr>
+      <p:grpSpPr>
+        <a:xfrm>
+          <a:off x="0" y="0"/>
+          <a:ext cx="0" cy="0"/>
+          <a:chOff x="0" y="0"/>
+          <a:chExt cx="0" cy="0"/>
+        </a:xfrm>
+      </p:grpSpPr>
+      <p:sp>
+        <p:nvSpPr>
+          <p:cNvPr id="2" name="Заголовок 1"/>
+          <p:cNvSpPr>
+            <a:spLocks noGrp="1"/>
+          </p:cNvSpPr>
+          <p:nvPr>
+            <p:ph type="title"/>
+          </p:nvPr>
+        </p:nvSpPr>
+        <p:spPr/>
+        <p:txBody>
+          <a:bodyPr/>
+          <a:lstStyle/>
+          <a:p>
+            <a:r>
               <a:rPr lang="en-US" dirty="0" smtClean="0"/>
               <a:t>OMAC</a:t>
             </a:r>
@@ -8032,7 +8964,7 @@
           <a:p>
             <a:fld id="{8253DDDB-F8F7-4D64-A7FD-3F3D61C1949F}" type="slidenum">
               <a:rPr lang="ru-RU" smtClean="0"/>
-              <a:t>20</a:t>
+              <a:t>21</a:t>
             </a:fld>
             <a:endParaRPr lang="ru-RU"/>
           </a:p>
@@ -8066,202 +8998,6 @@
     <p:extLst>
       <p:ext uri="{BB962C8B-B14F-4D97-AF65-F5344CB8AC3E}">
         <p14:creationId xmlns:p14="http://schemas.microsoft.com/office/powerpoint/2010/main" val="3809131394"/>
-      </p:ext>
-    </p:extLst>
-  </p:cSld>
-  <p:clrMapOvr>
-    <a:masterClrMapping/>
-  </p:clrMapOvr>
-  <p:timing>
-    <p:tnLst>
-      <p:par>
-        <p:cTn id="1" dur="indefinite" restart="never" nodeType="tmRoot"/>
-      </p:par>
-    </p:tnLst>
-  </p:timing>
-</p:sld>
-</file>
-
-<file path=ppt/slides/slide21.xml><?xml version="1.0" encoding="utf-8"?>
-<p:sld xmlns:a="http://schemas.openxmlformats.org/drawingml/2006/main" xmlns:r="http://schemas.openxmlformats.org/officeDocument/2006/relationships" xmlns:p="http://schemas.openxmlformats.org/presentationml/2006/main">
-  <p:cSld>
-    <p:spTree>
-      <p:nvGrpSpPr>
-        <p:cNvPr id="1" name=""/>
-        <p:cNvGrpSpPr/>
-        <p:nvPr/>
-      </p:nvGrpSpPr>
-      <p:grpSpPr>
-        <a:xfrm>
-          <a:off x="0" y="0"/>
-          <a:ext cx="0" cy="0"/>
-          <a:chOff x="0" y="0"/>
-          <a:chExt cx="0" cy="0"/>
-        </a:xfrm>
-      </p:grpSpPr>
-      <p:sp>
-        <p:nvSpPr>
-          <p:cNvPr id="2" name="Заголовок 1"/>
-          <p:cNvSpPr>
-            <a:spLocks noGrp="1"/>
-          </p:cNvSpPr>
-          <p:nvPr>
-            <p:ph type="title"/>
-          </p:nvPr>
-        </p:nvSpPr>
-        <p:spPr/>
-        <p:txBody>
-          <a:bodyPr/>
-          <a:lstStyle/>
-          <a:p>
-            <a:r>
-              <a:rPr lang="en-US" dirty="0" smtClean="0"/>
-              <a:t>OMAC</a:t>
-            </a:r>
-            <a:endParaRPr lang="ru-RU" dirty="0"/>
-          </a:p>
-        </p:txBody>
-      </p:sp>
-      <mc:AlternateContent xmlns:mc="http://schemas.openxmlformats.org/markup-compatibility/2006" xmlns:a14="http://schemas.microsoft.com/office/drawing/2010/main">
-        <mc:Choice Requires="a14">
-          <p:sp>
-            <p:nvSpPr>
-              <p:cNvPr id="3" name="Объект 2"/>
-              <p:cNvSpPr>
-                <a:spLocks noGrp="1"/>
-              </p:cNvSpPr>
-              <p:nvPr>
-                <p:ph idx="1"/>
-              </p:nvPr>
-            </p:nvSpPr>
-            <p:spPr/>
-            <p:txBody>
-              <a:bodyPr/>
-              <a:lstStyle/>
-              <a:p>
-                <a:r>
-                  <a:rPr lang="ru-RU" dirty="0" smtClean="0"/>
-                  <a:t>Фактически</a:t>
-                </a:r>
-                <a:r>
-                  <a:rPr lang="en-US" dirty="0" smtClean="0"/>
-                  <a:t> </a:t>
-                </a:r>
-                <a:r>
-                  <a:rPr lang="ru-RU" dirty="0" smtClean="0"/>
-                  <a:t>для получения трех ключей </a:t>
-                </a:r>
-                <a:r>
-                  <a:rPr lang="ru-RU" dirty="0"/>
-                  <a:t>реализуется умножение в кольце </a:t>
-                </a:r>
-                <a:r>
-                  <a:rPr lang="ru-RU" dirty="0" smtClean="0"/>
-                  <a:t>многочленов на некоторую константу </a:t>
-                </a:r>
-                <a14:m>
-                  <m:oMath xmlns:m="http://schemas.openxmlformats.org/officeDocument/2006/math">
-                    <m:r>
-                      <a:rPr lang="en-US" b="0" i="1" smtClean="0">
-                        <a:latin typeface="Cambria Math" panose="02040503050406030204" pitchFamily="18" charset="0"/>
-                      </a:rPr>
-                      <m:t>𝑢</m:t>
-                    </m:r>
-                  </m:oMath>
-                </a14:m>
-                <a:endParaRPr lang="ru-RU" dirty="0"/>
-              </a:p>
-              <a:p>
-                <a:endParaRPr lang="ru-RU" dirty="0"/>
-              </a:p>
-            </p:txBody>
-          </p:sp>
-        </mc:Choice>
-        <mc:Fallback xmlns="">
-          <p:sp>
-            <p:nvSpPr>
-              <p:cNvPr id="3" name="Объект 2"/>
-              <p:cNvSpPr>
-                <a:spLocks noGrp="1" noRot="1" noChangeAspect="1" noMove="1" noResize="1" noEditPoints="1" noAdjustHandles="1" noChangeArrowheads="1" noChangeShapeType="1" noTextEdit="1"/>
-              </p:cNvSpPr>
-              <p:nvPr>
-                <p:ph idx="1"/>
-              </p:nvPr>
-            </p:nvSpPr>
-            <p:spPr>
-              <a:blipFill rotWithShape="0">
-                <a:blip r:embed="rId2"/>
-                <a:stretch>
-                  <a:fillRect l="-928" t="-2101"/>
-                </a:stretch>
-              </a:blipFill>
-            </p:spPr>
-            <p:txBody>
-              <a:bodyPr/>
-              <a:lstStyle/>
-              <a:p>
-                <a:r>
-                  <a:rPr lang="ru-RU">
-                    <a:noFill/>
-                  </a:rPr>
-                  <a:t> </a:t>
-                </a:r>
-              </a:p>
-            </p:txBody>
-          </p:sp>
-        </mc:Fallback>
-      </mc:AlternateContent>
-      <p:sp>
-        <p:nvSpPr>
-          <p:cNvPr id="4" name="Номер слайда 3"/>
-          <p:cNvSpPr>
-            <a:spLocks noGrp="1"/>
-          </p:cNvSpPr>
-          <p:nvPr>
-            <p:ph type="sldNum" sz="quarter" idx="12"/>
-          </p:nvPr>
-        </p:nvSpPr>
-        <p:spPr/>
-        <p:txBody>
-          <a:bodyPr/>
-          <a:lstStyle/>
-          <a:p>
-            <a:fld id="{8253DDDB-F8F7-4D64-A7FD-3F3D61C1949F}" type="slidenum">
-              <a:rPr lang="ru-RU" smtClean="0"/>
-              <a:t>21</a:t>
-            </a:fld>
-            <a:endParaRPr lang="ru-RU"/>
-          </a:p>
-        </p:txBody>
-      </p:sp>
-      <p:pic>
-        <p:nvPicPr>
-          <p:cNvPr id="5" name="Рисунок 4"/>
-          <p:cNvPicPr>
-            <a:picLocks noChangeAspect="1"/>
-          </p:cNvPicPr>
-          <p:nvPr/>
-        </p:nvPicPr>
-        <p:blipFill>
-          <a:blip r:embed="rId3"/>
-          <a:stretch>
-            <a:fillRect/>
-          </a:stretch>
-        </p:blipFill>
-        <p:spPr>
-          <a:xfrm>
-            <a:off x="956954" y="3182144"/>
-            <a:ext cx="8567400" cy="2066750"/>
-          </a:xfrm>
-          <a:prstGeom prst="rect">
-            <a:avLst/>
-          </a:prstGeom>
-        </p:spPr>
-      </p:pic>
-    </p:spTree>
-    <p:extLst>
-      <p:ext uri="{BB962C8B-B14F-4D97-AF65-F5344CB8AC3E}">
-        <p14:creationId xmlns:p14="http://schemas.microsoft.com/office/powerpoint/2010/main" val="153150801"/>
       </p:ext>
     </p:extLst>
   </p:cSld>
@@ -8311,84 +9047,102 @@
           <a:lstStyle/>
           <a:p>
             <a:r>
-              <a:rPr lang="en-US" dirty="0" err="1" smtClean="0"/>
-              <a:t>Trunkated</a:t>
-            </a:r>
-            <a:r>
               <a:rPr lang="en-US" dirty="0" smtClean="0"/>
-              <a:t> CBC MAC</a:t>
+              <a:t>OMAC</a:t>
             </a:r>
             <a:endParaRPr lang="ru-RU" dirty="0"/>
           </a:p>
         </p:txBody>
       </p:sp>
-      <p:sp>
-        <p:nvSpPr>
-          <p:cNvPr id="3" name="Объект 2"/>
-          <p:cNvSpPr>
-            <a:spLocks noGrp="1"/>
-          </p:cNvSpPr>
-          <p:nvPr>
-            <p:ph idx="1"/>
-          </p:nvPr>
-        </p:nvSpPr>
-        <p:spPr/>
-        <p:txBody>
-          <a:bodyPr/>
-          <a:lstStyle/>
-          <a:p>
-            <a:pPr marL="0" indent="0">
-              <a:buNone/>
-            </a:pPr>
-            <a:r>
-              <a:rPr lang="ru-RU" dirty="0" smtClean="0"/>
-              <a:t>Основная идея – не дать противнику возможность воспользоваться </a:t>
-            </a:r>
-            <a:r>
-              <a:rPr lang="en-US" dirty="0" smtClean="0"/>
-              <a:t>MAC </a:t>
-            </a:r>
-            <a:r>
-              <a:rPr lang="ru-RU" dirty="0" smtClean="0"/>
-              <a:t>для осуществления префиксной атаки.</a:t>
-            </a:r>
-            <a:endParaRPr lang="ru-RU" dirty="0"/>
-          </a:p>
-          <a:p>
-            <a:pPr marL="0" indent="0">
-              <a:buNone/>
-            </a:pPr>
-            <a:r>
-              <a:rPr lang="ru-RU" dirty="0" smtClean="0"/>
-              <a:t>Использование части кода аутентичности. Используется в ГОСТ 28147-98</a:t>
-            </a:r>
-          </a:p>
-          <a:p>
-            <a:pPr marL="0" indent="0">
-              <a:buNone/>
-            </a:pPr>
-            <a:r>
-              <a:rPr lang="ru-RU" dirty="0" smtClean="0"/>
-              <a:t>Оптимально использовать половину исходного </a:t>
-            </a:r>
-            <a:r>
-              <a:rPr lang="en-US" smtClean="0"/>
-              <a:t>MAC</a:t>
-            </a:r>
-            <a:endParaRPr lang="ru-RU" dirty="0" smtClean="0"/>
-          </a:p>
-          <a:p>
-            <a:pPr marL="0" indent="0">
-              <a:buNone/>
-            </a:pPr>
-            <a:r>
-              <a:rPr lang="ru-RU" dirty="0" smtClean="0"/>
-              <a:t>Основной недостаток – фактически понижаем параметр стойкости в 2 раза</a:t>
-            </a:r>
-            <a:endParaRPr lang="ru-RU" dirty="0"/>
-          </a:p>
-        </p:txBody>
-      </p:sp>
+      <mc:AlternateContent xmlns:mc="http://schemas.openxmlformats.org/markup-compatibility/2006" xmlns:a14="http://schemas.microsoft.com/office/drawing/2010/main">
+        <mc:Choice Requires="a14">
+          <p:sp>
+            <p:nvSpPr>
+              <p:cNvPr id="3" name="Объект 2"/>
+              <p:cNvSpPr>
+                <a:spLocks noGrp="1"/>
+              </p:cNvSpPr>
+              <p:nvPr>
+                <p:ph idx="1"/>
+              </p:nvPr>
+            </p:nvSpPr>
+            <p:spPr/>
+            <p:txBody>
+              <a:bodyPr/>
+              <a:lstStyle/>
+              <a:p>
+                <a:r>
+                  <a:rPr lang="ru-RU" dirty="0" smtClean="0"/>
+                  <a:t>Фактически</a:t>
+                </a:r>
+                <a:r>
+                  <a:rPr lang="en-US" dirty="0" smtClean="0"/>
+                  <a:t> </a:t>
+                </a:r>
+                <a:r>
+                  <a:rPr lang="ru-RU" dirty="0" smtClean="0"/>
+                  <a:t>для получения трех ключей </a:t>
+                </a:r>
+                <a:r>
+                  <a:rPr lang="ru-RU" dirty="0"/>
+                  <a:t>реализуется умножение в кольце </a:t>
+                </a:r>
+                <a:r>
+                  <a:rPr lang="ru-RU" dirty="0" smtClean="0"/>
+                  <a:t>многочленов на некоторую константу </a:t>
+                </a:r>
+                <a14:m>
+                  <m:oMath xmlns:m="http://schemas.openxmlformats.org/officeDocument/2006/math">
+                    <m:r>
+                      <a:rPr lang="en-US" b="0" i="1" smtClean="0">
+                        <a:latin typeface="Cambria Math" panose="02040503050406030204" pitchFamily="18" charset="0"/>
+                      </a:rPr>
+                      <m:t>𝑢</m:t>
+                    </m:r>
+                  </m:oMath>
+                </a14:m>
+                <a:endParaRPr lang="ru-RU" dirty="0"/>
+              </a:p>
+              <a:p>
+                <a:endParaRPr lang="ru-RU" dirty="0"/>
+              </a:p>
+            </p:txBody>
+          </p:sp>
+        </mc:Choice>
+        <mc:Fallback xmlns="">
+          <p:sp>
+            <p:nvSpPr>
+              <p:cNvPr id="3" name="Объект 2"/>
+              <p:cNvSpPr>
+                <a:spLocks noGrp="1" noRot="1" noChangeAspect="1" noMove="1" noResize="1" noEditPoints="1" noAdjustHandles="1" noChangeArrowheads="1" noChangeShapeType="1" noTextEdit="1"/>
+              </p:cNvSpPr>
+              <p:nvPr>
+                <p:ph idx="1"/>
+              </p:nvPr>
+            </p:nvSpPr>
+            <p:spPr>
+              <a:blipFill rotWithShape="0">
+                <a:blip r:embed="rId2"/>
+                <a:stretch>
+                  <a:fillRect l="-928" t="-2101"/>
+                </a:stretch>
+              </a:blipFill>
+            </p:spPr>
+            <p:txBody>
+              <a:bodyPr/>
+              <a:lstStyle/>
+              <a:p>
+                <a:r>
+                  <a:rPr lang="ru-RU">
+                    <a:noFill/>
+                  </a:rPr>
+                  <a:t> </a:t>
+                </a:r>
+              </a:p>
+            </p:txBody>
+          </p:sp>
+        </mc:Fallback>
+      </mc:AlternateContent>
       <p:sp>
         <p:nvSpPr>
           <p:cNvPr id="4" name="Номер слайда 3"/>
@@ -8421,15 +9175,15 @@
           <p:nvPr/>
         </p:nvPicPr>
         <p:blipFill>
-          <a:blip r:embed="rId2"/>
+          <a:blip r:embed="rId3"/>
           <a:stretch>
             <a:fillRect/>
           </a:stretch>
         </p:blipFill>
         <p:spPr>
           <a:xfrm>
-            <a:off x="1418542" y="4425722"/>
-            <a:ext cx="9354915" cy="2432278"/>
+            <a:off x="956954" y="3182144"/>
+            <a:ext cx="8567400" cy="2066750"/>
           </a:xfrm>
           <a:prstGeom prst="rect">
             <a:avLst/>
@@ -8439,7 +9193,7 @@
     </p:spTree>
     <p:extLst>
       <p:ext uri="{BB962C8B-B14F-4D97-AF65-F5344CB8AC3E}">
-        <p14:creationId xmlns:p14="http://schemas.microsoft.com/office/powerpoint/2010/main" val="1103096359"/>
+        <p14:creationId xmlns:p14="http://schemas.microsoft.com/office/powerpoint/2010/main" val="153150801"/>
       </p:ext>
     </p:extLst>
   </p:cSld>
@@ -8489,39 +9243,84 @@
           <a:lstStyle/>
           <a:p>
             <a:r>
-              <a:rPr lang="en-US" dirty="0"/>
-              <a:t>PMAC</a:t>
+              <a:rPr lang="en-US" dirty="0" err="1" smtClean="0"/>
+              <a:t>Trunkated</a:t>
+            </a:r>
+            <a:r>
+              <a:rPr lang="en-US" dirty="0" smtClean="0"/>
+              <a:t> CBC MAC</a:t>
             </a:r>
             <a:endParaRPr lang="ru-RU" dirty="0"/>
           </a:p>
         </p:txBody>
       </p:sp>
-      <p:pic>
-        <p:nvPicPr>
-          <p:cNvPr id="5" name="Объект 4"/>
-          <p:cNvPicPr>
-            <a:picLocks noGrp="1" noChangeAspect="1"/>
-          </p:cNvPicPr>
+      <p:sp>
+        <p:nvSpPr>
+          <p:cNvPr id="3" name="Объект 2"/>
+          <p:cNvSpPr>
+            <a:spLocks noGrp="1"/>
+          </p:cNvSpPr>
           <p:nvPr>
             <p:ph idx="1"/>
           </p:nvPr>
-        </p:nvPicPr>
-        <p:blipFill>
-          <a:blip r:embed="rId2"/>
-          <a:stretch>
-            <a:fillRect/>
-          </a:stretch>
-        </p:blipFill>
-        <p:spPr>
-          <a:xfrm>
-            <a:off x="4108862" y="374759"/>
-            <a:ext cx="6804561" cy="5981591"/>
-          </a:xfrm>
-          <a:prstGeom prst="rect">
-            <a:avLst/>
-          </a:prstGeom>
-        </p:spPr>
-      </p:pic>
+        </p:nvSpPr>
+        <p:spPr/>
+        <p:txBody>
+          <a:bodyPr/>
+          <a:lstStyle/>
+          <a:p>
+            <a:pPr marL="0" indent="0">
+              <a:buNone/>
+            </a:pPr>
+            <a:r>
+              <a:rPr lang="ru-RU" dirty="0" smtClean="0"/>
+              <a:t>Основная идея – не дать противнику возможность воспользоваться </a:t>
+            </a:r>
+            <a:r>
+              <a:rPr lang="en-US" dirty="0" smtClean="0"/>
+              <a:t>MAC </a:t>
+            </a:r>
+            <a:r>
+              <a:rPr lang="ru-RU" dirty="0" smtClean="0"/>
+              <a:t>для осуществления префиксной атаки.</a:t>
+            </a:r>
+            <a:endParaRPr lang="ru-RU" dirty="0"/>
+          </a:p>
+          <a:p>
+            <a:pPr marL="0" indent="0">
+              <a:buNone/>
+            </a:pPr>
+            <a:r>
+              <a:rPr lang="ru-RU" dirty="0" smtClean="0"/>
+              <a:t>Использование части кода аутентичности. Используется в ГОСТ 28147-98</a:t>
+            </a:r>
+          </a:p>
+          <a:p>
+            <a:pPr marL="0" indent="0">
+              <a:buNone/>
+            </a:pPr>
+            <a:r>
+              <a:rPr lang="ru-RU" dirty="0" smtClean="0"/>
+              <a:t>Оптимально использовать половину исходного </a:t>
+            </a:r>
+            <a:r>
+              <a:rPr lang="en-US" smtClean="0"/>
+              <a:t>MAC</a:t>
+            </a:r>
+            <a:endParaRPr lang="ru-RU" dirty="0" smtClean="0"/>
+          </a:p>
+          <a:p>
+            <a:pPr marL="0" indent="0">
+              <a:buNone/>
+            </a:pPr>
+            <a:r>
+              <a:rPr lang="ru-RU" dirty="0" smtClean="0"/>
+              <a:t>Основной недостаток – фактически понижаем параметр стойкости в 2 раза</a:t>
+            </a:r>
+            <a:endParaRPr lang="ru-RU" dirty="0"/>
+          </a:p>
+        </p:txBody>
+      </p:sp>
       <p:sp>
         <p:nvSpPr>
           <p:cNvPr id="4" name="Номер слайда 3"/>
@@ -8545,10 +9344,34 @@
           </a:p>
         </p:txBody>
       </p:sp>
+      <p:pic>
+        <p:nvPicPr>
+          <p:cNvPr id="5" name="Рисунок 4"/>
+          <p:cNvPicPr>
+            <a:picLocks noChangeAspect="1"/>
+          </p:cNvPicPr>
+          <p:nvPr/>
+        </p:nvPicPr>
+        <p:blipFill>
+          <a:blip r:embed="rId2"/>
+          <a:stretch>
+            <a:fillRect/>
+          </a:stretch>
+        </p:blipFill>
+        <p:spPr>
+          <a:xfrm>
+            <a:off x="1418542" y="4425722"/>
+            <a:ext cx="9354915" cy="2432278"/>
+          </a:xfrm>
+          <a:prstGeom prst="rect">
+            <a:avLst/>
+          </a:prstGeom>
+        </p:spPr>
+      </p:pic>
     </p:spTree>
     <p:extLst>
       <p:ext uri="{BB962C8B-B14F-4D97-AF65-F5344CB8AC3E}">
-        <p14:creationId xmlns:p14="http://schemas.microsoft.com/office/powerpoint/2010/main" val="1781420578"/>
+        <p14:creationId xmlns:p14="http://schemas.microsoft.com/office/powerpoint/2010/main" val="1103096359"/>
       </p:ext>
     </p:extLst>
   </p:cSld>
@@ -8599,106 +9422,38 @@
           <a:p>
             <a:r>
               <a:rPr lang="en-US" dirty="0"/>
-              <a:t>NMAC</a:t>
+              <a:t>PMAC</a:t>
             </a:r>
             <a:endParaRPr lang="ru-RU" dirty="0"/>
           </a:p>
         </p:txBody>
       </p:sp>
-      <mc:AlternateContent xmlns:mc="http://schemas.openxmlformats.org/markup-compatibility/2006" xmlns:a14="http://schemas.microsoft.com/office/drawing/2010/main">
-        <mc:Choice Requires="a14">
-          <p:sp>
-            <p:nvSpPr>
-              <p:cNvPr id="3" name="Объект 2"/>
-              <p:cNvSpPr>
-                <a:spLocks noGrp="1"/>
-              </p:cNvSpPr>
-              <p:nvPr>
-                <p:ph idx="1"/>
-              </p:nvPr>
-            </p:nvSpPr>
-            <p:spPr/>
-            <p:txBody>
-              <a:bodyPr/>
-              <a:lstStyle/>
-              <a:p>
-                <a:r>
-                  <a:rPr lang="ru-RU" dirty="0"/>
-                  <a:t>Заменим </a:t>
-                </a:r>
-                <a14:m>
-                  <m:oMath xmlns:m="http://schemas.openxmlformats.org/officeDocument/2006/math">
-                    <m:r>
-                      <a:rPr lang="en-US" i="1">
-                        <a:latin typeface="Cambria Math" panose="02040503050406030204" pitchFamily="18" charset="0"/>
-                      </a:rPr>
-                      <m:t>𝐹</m:t>
-                    </m:r>
-                  </m:oMath>
-                </a14:m>
-                <a:r>
-                  <a:rPr lang="en-US" dirty="0"/>
-                  <a:t> </a:t>
-                </a:r>
-                <a:r>
-                  <a:rPr lang="ru-RU" dirty="0" smtClean="0"/>
-                  <a:t>на</a:t>
-                </a:r>
-                <a:r>
-                  <a:rPr lang="en-US" dirty="0" smtClean="0"/>
-                  <a:t> </a:t>
-                </a:r>
-                <a:r>
-                  <a:rPr lang="ru-RU" smtClean="0"/>
-                  <a:t>итеративную хэш-функцию. </a:t>
-                </a:r>
-                <a:r>
-                  <a:rPr lang="ru-RU" dirty="0" smtClean="0"/>
-                  <a:t>Получим</a:t>
-                </a:r>
-                <a:r>
-                  <a:rPr lang="en-US" dirty="0" smtClean="0"/>
-                  <a:t>:</a:t>
-                </a:r>
-                <a:endParaRPr lang="ru-RU" dirty="0"/>
-              </a:p>
-            </p:txBody>
-          </p:sp>
-        </mc:Choice>
-        <mc:Fallback xmlns="">
-          <p:sp>
-            <p:nvSpPr>
-              <p:cNvPr id="3" name="Объект 2"/>
-              <p:cNvSpPr>
-                <a:spLocks noGrp="1" noRot="1" noChangeAspect="1" noMove="1" noResize="1" noEditPoints="1" noAdjustHandles="1" noChangeArrowheads="1" noChangeShapeType="1" noTextEdit="1"/>
-              </p:cNvSpPr>
-              <p:nvPr>
-                <p:ph idx="1"/>
-              </p:nvPr>
-            </p:nvSpPr>
-            <p:spPr>
-              <a:blipFill>
-                <a:blip r:embed="rId2"/>
-                <a:stretch>
-                  <a:fillRect l="-928" t="-2101"/>
-                </a:stretch>
-              </a:blipFill>
-            </p:spPr>
-            <p:txBody>
-              <a:bodyPr/>
-              <a:lstStyle/>
-              <a:p>
-                <a:r>
-                  <a:rPr lang="ru-RU">
-                    <a:noFill/>
-                  </a:rPr>
-                  <a:t> </a:t>
-                </a:r>
-              </a:p>
-            </p:txBody>
-          </p:sp>
-        </mc:Fallback>
-      </mc:AlternateContent>
+      <p:pic>
+        <p:nvPicPr>
+          <p:cNvPr id="5" name="Объект 4"/>
+          <p:cNvPicPr>
+            <a:picLocks noGrp="1" noChangeAspect="1"/>
+          </p:cNvPicPr>
+          <p:nvPr>
+            <p:ph idx="1"/>
+          </p:nvPr>
+        </p:nvPicPr>
+        <p:blipFill>
+          <a:blip r:embed="rId2"/>
+          <a:stretch>
+            <a:fillRect/>
+          </a:stretch>
+        </p:blipFill>
+        <p:spPr>
+          <a:xfrm>
+            <a:off x="4108862" y="374759"/>
+            <a:ext cx="6804561" cy="5981591"/>
+          </a:xfrm>
+          <a:prstGeom prst="rect">
+            <a:avLst/>
+          </a:prstGeom>
+        </p:spPr>
+      </p:pic>
       <p:sp>
         <p:nvSpPr>
           <p:cNvPr id="4" name="Номер слайда 3"/>
@@ -8722,34 +9477,10 @@
           </a:p>
         </p:txBody>
       </p:sp>
-      <p:pic>
-        <p:nvPicPr>
-          <p:cNvPr id="5" name="Рисунок 4"/>
-          <p:cNvPicPr>
-            <a:picLocks noChangeAspect="1"/>
-          </p:cNvPicPr>
-          <p:nvPr/>
-        </p:nvPicPr>
-        <p:blipFill>
-          <a:blip r:embed="rId3"/>
-          <a:stretch>
-            <a:fillRect/>
-          </a:stretch>
-        </p:blipFill>
-        <p:spPr>
-          <a:xfrm>
-            <a:off x="2702626" y="2515425"/>
-            <a:ext cx="5669478" cy="3661538"/>
-          </a:xfrm>
-          <a:prstGeom prst="rect">
-            <a:avLst/>
-          </a:prstGeom>
-        </p:spPr>
-      </p:pic>
     </p:spTree>
     <p:extLst>
       <p:ext uri="{BB962C8B-B14F-4D97-AF65-F5344CB8AC3E}">
-        <p14:creationId xmlns:p14="http://schemas.microsoft.com/office/powerpoint/2010/main" val="3872460604"/>
+        <p14:creationId xmlns:p14="http://schemas.microsoft.com/office/powerpoint/2010/main" val="1781420578"/>
       </p:ext>
     </p:extLst>
   </p:cSld>
@@ -8823,6 +9554,207 @@
               <a:bodyPr/>
               <a:lstStyle/>
               <a:p>
+                <a:r>
+                  <a:rPr lang="ru-RU" dirty="0"/>
+                  <a:t>Заменим </a:t>
+                </a:r>
+                <a14:m>
+                  <m:oMath xmlns:m="http://schemas.openxmlformats.org/officeDocument/2006/math">
+                    <m:r>
+                      <a:rPr lang="en-US" i="1">
+                        <a:latin typeface="Cambria Math" panose="02040503050406030204" pitchFamily="18" charset="0"/>
+                      </a:rPr>
+                      <m:t>𝐹</m:t>
+                    </m:r>
+                  </m:oMath>
+                </a14:m>
+                <a:r>
+                  <a:rPr lang="en-US" dirty="0"/>
+                  <a:t> </a:t>
+                </a:r>
+                <a:r>
+                  <a:rPr lang="ru-RU" dirty="0" smtClean="0"/>
+                  <a:t>на</a:t>
+                </a:r>
+                <a:r>
+                  <a:rPr lang="en-US" dirty="0" smtClean="0"/>
+                  <a:t> </a:t>
+                </a:r>
+                <a:r>
+                  <a:rPr lang="ru-RU" smtClean="0"/>
+                  <a:t>итеративную хэш-функцию. </a:t>
+                </a:r>
+                <a:r>
+                  <a:rPr lang="ru-RU" dirty="0" smtClean="0"/>
+                  <a:t>Получим</a:t>
+                </a:r>
+                <a:r>
+                  <a:rPr lang="en-US" dirty="0" smtClean="0"/>
+                  <a:t>:</a:t>
+                </a:r>
+                <a:endParaRPr lang="ru-RU" dirty="0"/>
+              </a:p>
+            </p:txBody>
+          </p:sp>
+        </mc:Choice>
+        <mc:Fallback xmlns="">
+          <p:sp>
+            <p:nvSpPr>
+              <p:cNvPr id="3" name="Объект 2"/>
+              <p:cNvSpPr>
+                <a:spLocks noGrp="1" noRot="1" noChangeAspect="1" noMove="1" noResize="1" noEditPoints="1" noAdjustHandles="1" noChangeArrowheads="1" noChangeShapeType="1" noTextEdit="1"/>
+              </p:cNvSpPr>
+              <p:nvPr>
+                <p:ph idx="1"/>
+              </p:nvPr>
+            </p:nvSpPr>
+            <p:spPr>
+              <a:blipFill>
+                <a:blip r:embed="rId2"/>
+                <a:stretch>
+                  <a:fillRect l="-928" t="-2101"/>
+                </a:stretch>
+              </a:blipFill>
+            </p:spPr>
+            <p:txBody>
+              <a:bodyPr/>
+              <a:lstStyle/>
+              <a:p>
+                <a:r>
+                  <a:rPr lang="ru-RU">
+                    <a:noFill/>
+                  </a:rPr>
+                  <a:t> </a:t>
+                </a:r>
+              </a:p>
+            </p:txBody>
+          </p:sp>
+        </mc:Fallback>
+      </mc:AlternateContent>
+      <p:sp>
+        <p:nvSpPr>
+          <p:cNvPr id="4" name="Номер слайда 3"/>
+          <p:cNvSpPr>
+            <a:spLocks noGrp="1"/>
+          </p:cNvSpPr>
+          <p:nvPr>
+            <p:ph type="sldNum" sz="quarter" idx="12"/>
+          </p:nvPr>
+        </p:nvSpPr>
+        <p:spPr/>
+        <p:txBody>
+          <a:bodyPr/>
+          <a:lstStyle/>
+          <a:p>
+            <a:fld id="{8253DDDB-F8F7-4D64-A7FD-3F3D61C1949F}" type="slidenum">
+              <a:rPr lang="ru-RU" smtClean="0"/>
+              <a:t>25</a:t>
+            </a:fld>
+            <a:endParaRPr lang="ru-RU"/>
+          </a:p>
+        </p:txBody>
+      </p:sp>
+      <p:pic>
+        <p:nvPicPr>
+          <p:cNvPr id="5" name="Рисунок 4"/>
+          <p:cNvPicPr>
+            <a:picLocks noChangeAspect="1"/>
+          </p:cNvPicPr>
+          <p:nvPr/>
+        </p:nvPicPr>
+        <p:blipFill>
+          <a:blip r:embed="rId3"/>
+          <a:stretch>
+            <a:fillRect/>
+          </a:stretch>
+        </p:blipFill>
+        <p:spPr>
+          <a:xfrm>
+            <a:off x="2702626" y="2515425"/>
+            <a:ext cx="5669478" cy="3661538"/>
+          </a:xfrm>
+          <a:prstGeom prst="rect">
+            <a:avLst/>
+          </a:prstGeom>
+        </p:spPr>
+      </p:pic>
+    </p:spTree>
+    <p:extLst>
+      <p:ext uri="{BB962C8B-B14F-4D97-AF65-F5344CB8AC3E}">
+        <p14:creationId xmlns:p14="http://schemas.microsoft.com/office/powerpoint/2010/main" val="3872460604"/>
+      </p:ext>
+    </p:extLst>
+  </p:cSld>
+  <p:clrMapOvr>
+    <a:masterClrMapping/>
+  </p:clrMapOvr>
+  <p:timing>
+    <p:tnLst>
+      <p:par>
+        <p:cTn id="1" dur="indefinite" restart="never" nodeType="tmRoot"/>
+      </p:par>
+    </p:tnLst>
+  </p:timing>
+</p:sld>
+</file>
+
+<file path=ppt/slides/slide26.xml><?xml version="1.0" encoding="utf-8"?>
+<p:sld xmlns:a="http://schemas.openxmlformats.org/drawingml/2006/main" xmlns:r="http://schemas.openxmlformats.org/officeDocument/2006/relationships" xmlns:p="http://schemas.openxmlformats.org/presentationml/2006/main">
+  <p:cSld>
+    <p:spTree>
+      <p:nvGrpSpPr>
+        <p:cNvPr id="1" name=""/>
+        <p:cNvGrpSpPr/>
+        <p:nvPr/>
+      </p:nvGrpSpPr>
+      <p:grpSpPr>
+        <a:xfrm>
+          <a:off x="0" y="0"/>
+          <a:ext cx="0" cy="0"/>
+          <a:chOff x="0" y="0"/>
+          <a:chExt cx="0" cy="0"/>
+        </a:xfrm>
+      </p:grpSpPr>
+      <p:sp>
+        <p:nvSpPr>
+          <p:cNvPr id="2" name="Заголовок 1"/>
+          <p:cNvSpPr>
+            <a:spLocks noGrp="1"/>
+          </p:cNvSpPr>
+          <p:nvPr>
+            <p:ph type="title"/>
+          </p:nvPr>
+        </p:nvSpPr>
+        <p:spPr/>
+        <p:txBody>
+          <a:bodyPr/>
+          <a:lstStyle/>
+          <a:p>
+            <a:r>
+              <a:rPr lang="en-US" dirty="0"/>
+              <a:t>NMAC</a:t>
+            </a:r>
+            <a:endParaRPr lang="ru-RU" dirty="0"/>
+          </a:p>
+        </p:txBody>
+      </p:sp>
+      <mc:AlternateContent xmlns:mc="http://schemas.openxmlformats.org/markup-compatibility/2006" xmlns:a14="http://schemas.microsoft.com/office/drawing/2010/main">
+        <mc:Choice Requires="a14">
+          <p:sp>
+            <p:nvSpPr>
+              <p:cNvPr id="3" name="Объект 2"/>
+              <p:cNvSpPr>
+                <a:spLocks noGrp="1"/>
+              </p:cNvSpPr>
+              <p:nvPr>
+                <p:ph idx="1"/>
+              </p:nvPr>
+            </p:nvSpPr>
+            <p:spPr/>
+            <p:txBody>
+              <a:bodyPr/>
+              <a:lstStyle/>
+              <a:p>
                 <a:pPr marL="0" indent="0">
                   <a:buNone/>
                 </a:pPr>
@@ -9050,7 +9982,7 @@
           <a:p>
             <a:fld id="{8253DDDB-F8F7-4D64-A7FD-3F3D61C1949F}" type="slidenum">
               <a:rPr lang="ru-RU" smtClean="0"/>
-              <a:t>25</a:t>
+              <a:t>26</a:t>
             </a:fld>
             <a:endParaRPr lang="ru-RU"/>
           </a:p>
@@ -9100,7 +10032,7 @@
 </p:sld>
 </file>
 
-<file path=ppt/slides/slide26.xml><?xml version="1.0" encoding="utf-8"?>
+<file path=ppt/slides/slide27.xml><?xml version="1.0" encoding="utf-8"?>
 <p:sld xmlns:a="http://schemas.openxmlformats.org/drawingml/2006/main" xmlns:r="http://schemas.openxmlformats.org/officeDocument/2006/relationships" xmlns:p="http://schemas.openxmlformats.org/presentationml/2006/main">
   <p:cSld>
     <p:spTree>
@@ -9790,7 +10722,7 @@
           <a:p>
             <a:fld id="{8253DDDB-F8F7-4D64-A7FD-3F3D61C1949F}" type="slidenum">
               <a:rPr lang="ru-RU" smtClean="0"/>
-              <a:t>26</a:t>
+              <a:t>27</a:t>
             </a:fld>
             <a:endParaRPr lang="ru-RU"/>
           </a:p>
@@ -9816,7 +10748,7 @@
 </p:sld>
 </file>
 
-<file path=ppt/slides/slide27.xml><?xml version="1.0" encoding="utf-8"?>
+<file path=ppt/slides/slide28.xml><?xml version="1.0" encoding="utf-8"?>
 <p:sld xmlns:a="http://schemas.openxmlformats.org/drawingml/2006/main" xmlns:r="http://schemas.openxmlformats.org/officeDocument/2006/relationships" xmlns:p="http://schemas.openxmlformats.org/presentationml/2006/main">
   <p:cSld>
     <p:spTree>
@@ -9949,7 +10881,7 @@
           <a:p>
             <a:fld id="{8253DDDB-F8F7-4D64-A7FD-3F3D61C1949F}" type="slidenum">
               <a:rPr lang="ru-RU" smtClean="0"/>
-              <a:t>27</a:t>
+              <a:t>28</a:t>
             </a:fld>
             <a:endParaRPr lang="ru-RU"/>
           </a:p>
